--- a/04_mc_advanced/simulation04.pptx
+++ b/04_mc_advanced/simulation04.pptx
@@ -5,11 +5,15 @@
     <p:sldMasterId id="2147483665" r:id="rId1"/>
   </p:sldMasterIdLst>
   <p:notesMasterIdLst>
-    <p:notesMasterId r:id="rId4"/>
+    <p:notesMasterId r:id="rId8"/>
   </p:notesMasterIdLst>
   <p:sldIdLst>
     <p:sldId id="256" r:id="rId2"/>
     <p:sldId id="339" r:id="rId3"/>
+    <p:sldId id="340" r:id="rId4"/>
+    <p:sldId id="341" r:id="rId5"/>
+    <p:sldId id="342" r:id="rId6"/>
+    <p:sldId id="343" r:id="rId7"/>
   </p:sldIdLst>
   <p:sldSz cx="9144000" cy="6858000" type="screen4x3"/>
   <p:notesSz cx="6858000" cy="9144000"/>
@@ -1581,6 +1585,4412 @@
 </p:sld>
 </file>
 
+<file path=ppt/slides/slide3.xml><?xml version="1.0" encoding="utf-8"?>
+<p:sld xmlns:a="http://schemas.openxmlformats.org/drawingml/2006/main" xmlns:r="http://schemas.openxmlformats.org/officeDocument/2006/relationships" xmlns:p="http://schemas.openxmlformats.org/presentationml/2006/main">
+  <p:cSld>
+    <p:spTree>
+      <p:nvGrpSpPr>
+        <p:cNvPr id="1" name=""/>
+        <p:cNvGrpSpPr/>
+        <p:nvPr/>
+      </p:nvGrpSpPr>
+      <p:grpSpPr>
+        <a:xfrm>
+          <a:off x="0" y="0"/>
+          <a:ext cx="0" cy="0"/>
+          <a:chOff x="0" y="0"/>
+          <a:chExt cx="0" cy="0"/>
+        </a:xfrm>
+      </p:grpSpPr>
+      <p:sp>
+        <p:nvSpPr>
+          <p:cNvPr id="2" name="テキスト プレースホルダー 1">
+            <a:extLst>
+              <a:ext uri="{FF2B5EF4-FFF2-40B4-BE49-F238E27FC236}">
+                <a16:creationId xmlns:a16="http://schemas.microsoft.com/office/drawing/2014/main" id="{CCAA5B64-4887-4812-A6C5-8621F2DDAEB8}"/>
+              </a:ext>
+            </a:extLst>
+          </p:cNvPr>
+          <p:cNvSpPr>
+            <a:spLocks noGrp="1"/>
+          </p:cNvSpPr>
+          <p:nvPr>
+            <p:ph type="body" sz="quarter" idx="10"/>
+          </p:nvPr>
+        </p:nvSpPr>
+        <p:spPr/>
+        <p:txBody>
+          <a:bodyPr/>
+          <a:lstStyle/>
+          <a:p>
+            <a:r>
+              <a:rPr kumimoji="1" lang="ja-JP" altLang="en-US"/>
+              <a:t>イジング模型</a:t>
+            </a:r>
+          </a:p>
+        </p:txBody>
+      </p:sp>
+      <p:sp>
+        <p:nvSpPr>
+          <p:cNvPr id="3" name="テキスト ボックス 2">
+            <a:extLst>
+              <a:ext uri="{FF2B5EF4-FFF2-40B4-BE49-F238E27FC236}">
+                <a16:creationId xmlns:a16="http://schemas.microsoft.com/office/drawing/2014/main" id="{E135249D-5154-407E-AE36-D1691BB1F322}"/>
+              </a:ext>
+            </a:extLst>
+          </p:cNvPr>
+          <p:cNvSpPr txBox="1"/>
+          <p:nvPr/>
+        </p:nvSpPr>
+        <p:spPr>
+          <a:xfrm>
+            <a:off x="290294" y="1268760"/>
+            <a:ext cx="8443337" cy="1569660"/>
+          </a:xfrm>
+          <a:prstGeom prst="rect">
+            <a:avLst/>
+          </a:prstGeom>
+          <a:noFill/>
+        </p:spPr>
+        <p:txBody>
+          <a:bodyPr wrap="none" rtlCol="0">
+            <a:spAutoFit/>
+          </a:bodyPr>
+          <a:lstStyle/>
+          <a:p>
+            <a:pPr marL="457200" indent="-457200">
+              <a:buFont typeface="Arial" panose="020B0604020202020204" pitchFamily="34" charset="0"/>
+              <a:buChar char="•"/>
+            </a:pPr>
+            <a:r>
+              <a:rPr kumimoji="1" lang="ja-JP" altLang="en-US" sz="3200"/>
+              <a:t>格子の各点に</a:t>
+            </a:r>
+            <a:r>
+              <a:rPr kumimoji="1" lang="ja-JP" altLang="en-US" sz="3200">
+                <a:solidFill>
+                  <a:srgbClr val="011893"/>
+                </a:solidFill>
+              </a:rPr>
+              <a:t>スピン</a:t>
+            </a:r>
+            <a:r>
+              <a:rPr kumimoji="1" lang="en-US" altLang="ja-JP" sz="3200"/>
+              <a:t>(</a:t>
+            </a:r>
+            <a:r>
+              <a:rPr kumimoji="1" lang="ja-JP" altLang="en-US" sz="3200"/>
+              <a:t>小さな磁石</a:t>
+            </a:r>
+            <a:r>
+              <a:rPr kumimoji="1" lang="en-US" altLang="ja-JP" sz="3200"/>
+              <a:t>)</a:t>
+            </a:r>
+            <a:r>
+              <a:rPr kumimoji="1" lang="ja-JP" altLang="en-US" sz="3200"/>
+              <a:t>がある</a:t>
+            </a:r>
+            <a:endParaRPr kumimoji="1" lang="en-US" altLang="ja-JP" sz="3200"/>
+          </a:p>
+          <a:p>
+            <a:pPr marL="457200" indent="-457200">
+              <a:buFont typeface="Arial" panose="020B0604020202020204" pitchFamily="34" charset="0"/>
+              <a:buChar char="•"/>
+            </a:pPr>
+            <a:r>
+              <a:rPr kumimoji="1" lang="ja-JP" altLang="en-US" sz="3200"/>
+              <a:t>スピンは「上」と「下」の状態がある</a:t>
+            </a:r>
+            <a:endParaRPr kumimoji="1" lang="en-US" altLang="ja-JP" sz="3200"/>
+          </a:p>
+          <a:p>
+            <a:pPr marL="457200" indent="-457200">
+              <a:buFont typeface="Arial" panose="020B0604020202020204" pitchFamily="34" charset="0"/>
+              <a:buChar char="•"/>
+            </a:pPr>
+            <a:r>
+              <a:rPr lang="ja-JP" altLang="en-US" sz="3200"/>
+              <a:t>隣り合うスピンをつなぐ線を</a:t>
+            </a:r>
+            <a:r>
+              <a:rPr lang="ja-JP" altLang="en-US" sz="3200">
+                <a:solidFill>
+                  <a:srgbClr val="011893"/>
+                </a:solidFill>
+              </a:rPr>
+              <a:t>ボンド</a:t>
+            </a:r>
+            <a:r>
+              <a:rPr lang="ja-JP" altLang="en-US" sz="3200"/>
+              <a:t>と呼ぶ</a:t>
+            </a:r>
+            <a:endParaRPr kumimoji="1" lang="en-US" altLang="ja-JP" sz="3200"/>
+          </a:p>
+        </p:txBody>
+      </p:sp>
+      <p:grpSp>
+        <p:nvGrpSpPr>
+          <p:cNvPr id="4" name="グループ化 3">
+            <a:extLst>
+              <a:ext uri="{FF2B5EF4-FFF2-40B4-BE49-F238E27FC236}">
+                <a16:creationId xmlns:a16="http://schemas.microsoft.com/office/drawing/2014/main" id="{5FF5B089-DD95-489D-A9D7-B98005CEAA6C}"/>
+              </a:ext>
+            </a:extLst>
+          </p:cNvPr>
+          <p:cNvGrpSpPr/>
+          <p:nvPr/>
+        </p:nvGrpSpPr>
+        <p:grpSpPr>
+          <a:xfrm rot="10800000">
+            <a:off x="3707904" y="3789040"/>
+            <a:ext cx="720080" cy="720080"/>
+            <a:chOff x="792000" y="2529000"/>
+            <a:chExt cx="360000" cy="360000"/>
+          </a:xfrm>
+        </p:grpSpPr>
+        <p:sp>
+          <p:nvSpPr>
+            <p:cNvPr id="5" name="楕円 4">
+              <a:extLst>
+                <a:ext uri="{FF2B5EF4-FFF2-40B4-BE49-F238E27FC236}">
+                  <a16:creationId xmlns:a16="http://schemas.microsoft.com/office/drawing/2014/main" id="{D5AFFE1A-55BF-4DFF-8AF9-21EB14916DF1}"/>
+                </a:ext>
+              </a:extLst>
+            </p:cNvPr>
+            <p:cNvSpPr/>
+            <p:nvPr/>
+          </p:nvSpPr>
+          <p:spPr>
+            <a:xfrm>
+              <a:off x="792000" y="2529000"/>
+              <a:ext cx="360000" cy="360000"/>
+            </a:xfrm>
+            <a:prstGeom prst="ellipse">
+              <a:avLst/>
+            </a:prstGeom>
+            <a:noFill/>
+            <a:ln>
+              <a:solidFill>
+                <a:schemeClr val="tx1"/>
+              </a:solidFill>
+            </a:ln>
+          </p:spPr>
+          <p:style>
+            <a:lnRef idx="2">
+              <a:schemeClr val="accent1">
+                <a:shade val="50000"/>
+              </a:schemeClr>
+            </a:lnRef>
+            <a:fillRef idx="1">
+              <a:schemeClr val="accent1"/>
+            </a:fillRef>
+            <a:effectRef idx="0">
+              <a:schemeClr val="accent1"/>
+            </a:effectRef>
+            <a:fontRef idx="minor">
+              <a:schemeClr val="lt1"/>
+            </a:fontRef>
+          </p:style>
+          <p:txBody>
+            <a:bodyPr rtlCol="0" anchor="ctr"/>
+            <a:lstStyle/>
+            <a:p>
+              <a:pPr algn="ctr"/>
+              <a:endParaRPr kumimoji="1" lang="ja-JP" altLang="en-US" dirty="0"/>
+            </a:p>
+          </p:txBody>
+        </p:sp>
+        <p:sp>
+          <p:nvSpPr>
+            <p:cNvPr id="6" name="矢印: 下 5">
+              <a:extLst>
+                <a:ext uri="{FF2B5EF4-FFF2-40B4-BE49-F238E27FC236}">
+                  <a16:creationId xmlns:a16="http://schemas.microsoft.com/office/drawing/2014/main" id="{77723D2D-FD36-4A37-A19E-45ACEEA21911}"/>
+                </a:ext>
+              </a:extLst>
+            </p:cNvPr>
+            <p:cNvSpPr/>
+            <p:nvPr/>
+          </p:nvSpPr>
+          <p:spPr>
+            <a:xfrm>
+              <a:off x="882000" y="2574000"/>
+              <a:ext cx="180000" cy="270000"/>
+            </a:xfrm>
+            <a:prstGeom prst="downArrow">
+              <a:avLst/>
+            </a:prstGeom>
+            <a:solidFill>
+              <a:srgbClr val="FF0000"/>
+            </a:solidFill>
+            <a:ln>
+              <a:solidFill>
+                <a:schemeClr val="tx1"/>
+              </a:solidFill>
+            </a:ln>
+          </p:spPr>
+          <p:style>
+            <a:lnRef idx="2">
+              <a:schemeClr val="accent1">
+                <a:shade val="50000"/>
+              </a:schemeClr>
+            </a:lnRef>
+            <a:fillRef idx="1">
+              <a:schemeClr val="accent1"/>
+            </a:fillRef>
+            <a:effectRef idx="0">
+              <a:schemeClr val="accent1"/>
+            </a:effectRef>
+            <a:fontRef idx="minor">
+              <a:schemeClr val="lt1"/>
+            </a:fontRef>
+          </p:style>
+          <p:txBody>
+            <a:bodyPr rtlCol="0" anchor="ctr"/>
+            <a:lstStyle/>
+            <a:p>
+              <a:pPr algn="ctr"/>
+              <a:endParaRPr kumimoji="1" lang="ja-JP" altLang="en-US"/>
+            </a:p>
+          </p:txBody>
+        </p:sp>
+      </p:grpSp>
+      <p:cxnSp>
+        <p:nvCxnSpPr>
+          <p:cNvPr id="10" name="直線コネクタ 9">
+            <a:extLst>
+              <a:ext uri="{FF2B5EF4-FFF2-40B4-BE49-F238E27FC236}">
+                <a16:creationId xmlns:a16="http://schemas.microsoft.com/office/drawing/2014/main" id="{DF9C8AAB-6C9C-45ED-8F08-58A9EB87382E}"/>
+              </a:ext>
+            </a:extLst>
+          </p:cNvPr>
+          <p:cNvCxnSpPr>
+            <a:cxnSpLocks/>
+          </p:cNvCxnSpPr>
+          <p:nvPr/>
+        </p:nvCxnSpPr>
+        <p:spPr>
+          <a:xfrm>
+            <a:off x="4427984" y="4149080"/>
+            <a:ext cx="720080" cy="0"/>
+          </a:xfrm>
+          <a:prstGeom prst="line">
+            <a:avLst/>
+          </a:prstGeom>
+          <a:ln w="57150">
+            <a:solidFill>
+              <a:srgbClr val="0070C0"/>
+            </a:solidFill>
+            <a:headEnd type="none" w="med" len="med"/>
+            <a:tailEnd type="none" w="med" len="med"/>
+          </a:ln>
+        </p:spPr>
+        <p:style>
+          <a:lnRef idx="1">
+            <a:schemeClr val="accent1"/>
+          </a:lnRef>
+          <a:fillRef idx="0">
+            <a:schemeClr val="accent1"/>
+          </a:fillRef>
+          <a:effectRef idx="0">
+            <a:schemeClr val="accent1"/>
+          </a:effectRef>
+          <a:fontRef idx="minor">
+            <a:schemeClr val="tx1"/>
+          </a:fontRef>
+        </p:style>
+      </p:cxnSp>
+      <p:grpSp>
+        <p:nvGrpSpPr>
+          <p:cNvPr id="12" name="グループ化 11">
+            <a:extLst>
+              <a:ext uri="{FF2B5EF4-FFF2-40B4-BE49-F238E27FC236}">
+                <a16:creationId xmlns:a16="http://schemas.microsoft.com/office/drawing/2014/main" id="{F07EFC70-C88B-46F3-9512-8F4FCBFDCACD}"/>
+              </a:ext>
+            </a:extLst>
+          </p:cNvPr>
+          <p:cNvGrpSpPr/>
+          <p:nvPr/>
+        </p:nvGrpSpPr>
+        <p:grpSpPr>
+          <a:xfrm rot="10800000">
+            <a:off x="5148064" y="3789040"/>
+            <a:ext cx="720080" cy="720080"/>
+            <a:chOff x="792000" y="2529000"/>
+            <a:chExt cx="360000" cy="360000"/>
+          </a:xfrm>
+        </p:grpSpPr>
+        <p:sp>
+          <p:nvSpPr>
+            <p:cNvPr id="13" name="楕円 12">
+              <a:extLst>
+                <a:ext uri="{FF2B5EF4-FFF2-40B4-BE49-F238E27FC236}">
+                  <a16:creationId xmlns:a16="http://schemas.microsoft.com/office/drawing/2014/main" id="{E4835B4E-DCDE-4457-81B2-A26B5A257527}"/>
+                </a:ext>
+              </a:extLst>
+            </p:cNvPr>
+            <p:cNvSpPr/>
+            <p:nvPr/>
+          </p:nvSpPr>
+          <p:spPr>
+            <a:xfrm>
+              <a:off x="792000" y="2529000"/>
+              <a:ext cx="360000" cy="360000"/>
+            </a:xfrm>
+            <a:prstGeom prst="ellipse">
+              <a:avLst/>
+            </a:prstGeom>
+            <a:noFill/>
+            <a:ln>
+              <a:solidFill>
+                <a:schemeClr val="tx1"/>
+              </a:solidFill>
+            </a:ln>
+          </p:spPr>
+          <p:style>
+            <a:lnRef idx="2">
+              <a:schemeClr val="accent1">
+                <a:shade val="50000"/>
+              </a:schemeClr>
+            </a:lnRef>
+            <a:fillRef idx="1">
+              <a:schemeClr val="accent1"/>
+            </a:fillRef>
+            <a:effectRef idx="0">
+              <a:schemeClr val="accent1"/>
+            </a:effectRef>
+            <a:fontRef idx="minor">
+              <a:schemeClr val="lt1"/>
+            </a:fontRef>
+          </p:style>
+          <p:txBody>
+            <a:bodyPr rtlCol="0" anchor="ctr"/>
+            <a:lstStyle/>
+            <a:p>
+              <a:pPr algn="ctr"/>
+              <a:endParaRPr kumimoji="1" lang="ja-JP" altLang="en-US" dirty="0"/>
+            </a:p>
+          </p:txBody>
+        </p:sp>
+        <p:sp>
+          <p:nvSpPr>
+            <p:cNvPr id="14" name="矢印: 下 13">
+              <a:extLst>
+                <a:ext uri="{FF2B5EF4-FFF2-40B4-BE49-F238E27FC236}">
+                  <a16:creationId xmlns:a16="http://schemas.microsoft.com/office/drawing/2014/main" id="{14D54C59-C8A0-4618-B444-B3854AB6746F}"/>
+                </a:ext>
+              </a:extLst>
+            </p:cNvPr>
+            <p:cNvSpPr/>
+            <p:nvPr/>
+          </p:nvSpPr>
+          <p:spPr>
+            <a:xfrm>
+              <a:off x="882000" y="2574000"/>
+              <a:ext cx="180000" cy="270000"/>
+            </a:xfrm>
+            <a:prstGeom prst="downArrow">
+              <a:avLst/>
+            </a:prstGeom>
+            <a:solidFill>
+              <a:srgbClr val="FF0000"/>
+            </a:solidFill>
+            <a:ln>
+              <a:solidFill>
+                <a:schemeClr val="tx1"/>
+              </a:solidFill>
+            </a:ln>
+          </p:spPr>
+          <p:style>
+            <a:lnRef idx="2">
+              <a:schemeClr val="accent1">
+                <a:shade val="50000"/>
+              </a:schemeClr>
+            </a:lnRef>
+            <a:fillRef idx="1">
+              <a:schemeClr val="accent1"/>
+            </a:fillRef>
+            <a:effectRef idx="0">
+              <a:schemeClr val="accent1"/>
+            </a:effectRef>
+            <a:fontRef idx="minor">
+              <a:schemeClr val="lt1"/>
+            </a:fontRef>
+          </p:style>
+          <p:txBody>
+            <a:bodyPr rtlCol="0" anchor="ctr"/>
+            <a:lstStyle/>
+            <a:p>
+              <a:pPr algn="ctr"/>
+              <a:endParaRPr kumimoji="1" lang="ja-JP" altLang="en-US"/>
+            </a:p>
+          </p:txBody>
+        </p:sp>
+      </p:grpSp>
+      <p:grpSp>
+        <p:nvGrpSpPr>
+          <p:cNvPr id="17" name="グループ化 16">
+            <a:extLst>
+              <a:ext uri="{FF2B5EF4-FFF2-40B4-BE49-F238E27FC236}">
+                <a16:creationId xmlns:a16="http://schemas.microsoft.com/office/drawing/2014/main" id="{C013C1DD-9727-4A29-AA18-D5235E259B8C}"/>
+              </a:ext>
+            </a:extLst>
+          </p:cNvPr>
+          <p:cNvGrpSpPr/>
+          <p:nvPr/>
+        </p:nvGrpSpPr>
+        <p:grpSpPr>
+          <a:xfrm rot="10800000">
+            <a:off x="6660232" y="3789040"/>
+            <a:ext cx="720080" cy="720080"/>
+            <a:chOff x="792000" y="2529000"/>
+            <a:chExt cx="360000" cy="360000"/>
+          </a:xfrm>
+        </p:grpSpPr>
+        <p:sp>
+          <p:nvSpPr>
+            <p:cNvPr id="18" name="楕円 17">
+              <a:extLst>
+                <a:ext uri="{FF2B5EF4-FFF2-40B4-BE49-F238E27FC236}">
+                  <a16:creationId xmlns:a16="http://schemas.microsoft.com/office/drawing/2014/main" id="{3D3A9A4C-053B-4E91-8DDF-E5DFD44A61D8}"/>
+                </a:ext>
+              </a:extLst>
+            </p:cNvPr>
+            <p:cNvSpPr/>
+            <p:nvPr/>
+          </p:nvSpPr>
+          <p:spPr>
+            <a:xfrm>
+              <a:off x="792000" y="2529000"/>
+              <a:ext cx="360000" cy="360000"/>
+            </a:xfrm>
+            <a:prstGeom prst="ellipse">
+              <a:avLst/>
+            </a:prstGeom>
+            <a:noFill/>
+            <a:ln>
+              <a:solidFill>
+                <a:schemeClr val="tx1"/>
+              </a:solidFill>
+            </a:ln>
+          </p:spPr>
+          <p:style>
+            <a:lnRef idx="2">
+              <a:schemeClr val="accent1">
+                <a:shade val="50000"/>
+              </a:schemeClr>
+            </a:lnRef>
+            <a:fillRef idx="1">
+              <a:schemeClr val="accent1"/>
+            </a:fillRef>
+            <a:effectRef idx="0">
+              <a:schemeClr val="accent1"/>
+            </a:effectRef>
+            <a:fontRef idx="minor">
+              <a:schemeClr val="lt1"/>
+            </a:fontRef>
+          </p:style>
+          <p:txBody>
+            <a:bodyPr rtlCol="0" anchor="ctr"/>
+            <a:lstStyle/>
+            <a:p>
+              <a:pPr algn="ctr"/>
+              <a:endParaRPr kumimoji="1" lang="ja-JP" altLang="en-US" dirty="0"/>
+            </a:p>
+          </p:txBody>
+        </p:sp>
+        <p:sp>
+          <p:nvSpPr>
+            <p:cNvPr id="19" name="矢印: 下 18">
+              <a:extLst>
+                <a:ext uri="{FF2B5EF4-FFF2-40B4-BE49-F238E27FC236}">
+                  <a16:creationId xmlns:a16="http://schemas.microsoft.com/office/drawing/2014/main" id="{2C57166D-9E69-4293-86F4-9E50FC335795}"/>
+                </a:ext>
+              </a:extLst>
+            </p:cNvPr>
+            <p:cNvSpPr/>
+            <p:nvPr/>
+          </p:nvSpPr>
+          <p:spPr>
+            <a:xfrm>
+              <a:off x="882000" y="2574000"/>
+              <a:ext cx="180000" cy="270000"/>
+            </a:xfrm>
+            <a:prstGeom prst="downArrow">
+              <a:avLst/>
+            </a:prstGeom>
+            <a:solidFill>
+              <a:srgbClr val="FF0000"/>
+            </a:solidFill>
+            <a:ln>
+              <a:solidFill>
+                <a:schemeClr val="tx1"/>
+              </a:solidFill>
+            </a:ln>
+          </p:spPr>
+          <p:style>
+            <a:lnRef idx="2">
+              <a:schemeClr val="accent1">
+                <a:shade val="50000"/>
+              </a:schemeClr>
+            </a:lnRef>
+            <a:fillRef idx="1">
+              <a:schemeClr val="accent1"/>
+            </a:fillRef>
+            <a:effectRef idx="0">
+              <a:schemeClr val="accent1"/>
+            </a:effectRef>
+            <a:fontRef idx="minor">
+              <a:schemeClr val="lt1"/>
+            </a:fontRef>
+          </p:style>
+          <p:txBody>
+            <a:bodyPr rtlCol="0" anchor="ctr"/>
+            <a:lstStyle/>
+            <a:p>
+              <a:pPr algn="ctr"/>
+              <a:endParaRPr kumimoji="1" lang="ja-JP" altLang="en-US"/>
+            </a:p>
+          </p:txBody>
+        </p:sp>
+      </p:grpSp>
+      <p:cxnSp>
+        <p:nvCxnSpPr>
+          <p:cNvPr id="20" name="直線コネクタ 19">
+            <a:extLst>
+              <a:ext uri="{FF2B5EF4-FFF2-40B4-BE49-F238E27FC236}">
+                <a16:creationId xmlns:a16="http://schemas.microsoft.com/office/drawing/2014/main" id="{A793B173-B8F9-46F4-ADF9-2B6EBF425925}"/>
+              </a:ext>
+            </a:extLst>
+          </p:cNvPr>
+          <p:cNvCxnSpPr>
+            <a:cxnSpLocks/>
+            <a:stCxn id="18" idx="2"/>
+            <a:endCxn id="23" idx="2"/>
+          </p:cNvCxnSpPr>
+          <p:nvPr/>
+        </p:nvCxnSpPr>
+        <p:spPr>
+          <a:xfrm>
+            <a:off x="7380312" y="4149080"/>
+            <a:ext cx="720080" cy="0"/>
+          </a:xfrm>
+          <a:prstGeom prst="line">
+            <a:avLst/>
+          </a:prstGeom>
+          <a:ln w="57150">
+            <a:solidFill>
+              <a:srgbClr val="FF0000"/>
+            </a:solidFill>
+            <a:headEnd type="none" w="med" len="med"/>
+            <a:tailEnd type="none" w="med" len="med"/>
+          </a:ln>
+        </p:spPr>
+        <p:style>
+          <a:lnRef idx="1">
+            <a:schemeClr val="accent1"/>
+          </a:lnRef>
+          <a:fillRef idx="0">
+            <a:schemeClr val="accent1"/>
+          </a:fillRef>
+          <a:effectRef idx="0">
+            <a:schemeClr val="accent1"/>
+          </a:effectRef>
+          <a:fontRef idx="minor">
+            <a:schemeClr val="tx1"/>
+          </a:fontRef>
+        </p:style>
+      </p:cxnSp>
+      <p:grpSp>
+        <p:nvGrpSpPr>
+          <p:cNvPr id="22" name="グループ化 21">
+            <a:extLst>
+              <a:ext uri="{FF2B5EF4-FFF2-40B4-BE49-F238E27FC236}">
+                <a16:creationId xmlns:a16="http://schemas.microsoft.com/office/drawing/2014/main" id="{3A06710C-917E-4FD2-9607-81A97BA0D971}"/>
+              </a:ext>
+            </a:extLst>
+          </p:cNvPr>
+          <p:cNvGrpSpPr/>
+          <p:nvPr/>
+        </p:nvGrpSpPr>
+        <p:grpSpPr>
+          <a:xfrm>
+            <a:off x="8100392" y="3789040"/>
+            <a:ext cx="720080" cy="720080"/>
+            <a:chOff x="792000" y="2529000"/>
+            <a:chExt cx="360000" cy="360000"/>
+          </a:xfrm>
+        </p:grpSpPr>
+        <p:sp>
+          <p:nvSpPr>
+            <p:cNvPr id="23" name="楕円 22">
+              <a:extLst>
+                <a:ext uri="{FF2B5EF4-FFF2-40B4-BE49-F238E27FC236}">
+                  <a16:creationId xmlns:a16="http://schemas.microsoft.com/office/drawing/2014/main" id="{3F7A79D0-2187-40B0-82D5-7D2362FAB62B}"/>
+                </a:ext>
+              </a:extLst>
+            </p:cNvPr>
+            <p:cNvSpPr/>
+            <p:nvPr/>
+          </p:nvSpPr>
+          <p:spPr>
+            <a:xfrm>
+              <a:off x="792000" y="2529000"/>
+              <a:ext cx="360000" cy="360000"/>
+            </a:xfrm>
+            <a:prstGeom prst="ellipse">
+              <a:avLst/>
+            </a:prstGeom>
+            <a:noFill/>
+            <a:ln>
+              <a:solidFill>
+                <a:schemeClr val="tx1"/>
+              </a:solidFill>
+            </a:ln>
+          </p:spPr>
+          <p:style>
+            <a:lnRef idx="2">
+              <a:schemeClr val="accent1">
+                <a:shade val="50000"/>
+              </a:schemeClr>
+            </a:lnRef>
+            <a:fillRef idx="1">
+              <a:schemeClr val="accent1"/>
+            </a:fillRef>
+            <a:effectRef idx="0">
+              <a:schemeClr val="accent1"/>
+            </a:effectRef>
+            <a:fontRef idx="minor">
+              <a:schemeClr val="lt1"/>
+            </a:fontRef>
+          </p:style>
+          <p:txBody>
+            <a:bodyPr rtlCol="0" anchor="ctr"/>
+            <a:lstStyle/>
+            <a:p>
+              <a:pPr algn="ctr"/>
+              <a:endParaRPr kumimoji="1" lang="ja-JP" altLang="en-US" dirty="0"/>
+            </a:p>
+          </p:txBody>
+        </p:sp>
+        <p:sp>
+          <p:nvSpPr>
+            <p:cNvPr id="24" name="矢印: 下 23">
+              <a:extLst>
+                <a:ext uri="{FF2B5EF4-FFF2-40B4-BE49-F238E27FC236}">
+                  <a16:creationId xmlns:a16="http://schemas.microsoft.com/office/drawing/2014/main" id="{E4FE9A90-3173-4DA6-92D6-AD07B7923189}"/>
+                </a:ext>
+              </a:extLst>
+            </p:cNvPr>
+            <p:cNvSpPr/>
+            <p:nvPr/>
+          </p:nvSpPr>
+          <p:spPr>
+            <a:xfrm>
+              <a:off x="882000" y="2574000"/>
+              <a:ext cx="180000" cy="270000"/>
+            </a:xfrm>
+            <a:prstGeom prst="downArrow">
+              <a:avLst/>
+            </a:prstGeom>
+            <a:solidFill>
+              <a:srgbClr val="FF0000"/>
+            </a:solidFill>
+            <a:ln>
+              <a:solidFill>
+                <a:schemeClr val="tx1"/>
+              </a:solidFill>
+            </a:ln>
+          </p:spPr>
+          <p:style>
+            <a:lnRef idx="2">
+              <a:schemeClr val="accent1">
+                <a:shade val="50000"/>
+              </a:schemeClr>
+            </a:lnRef>
+            <a:fillRef idx="1">
+              <a:schemeClr val="accent1"/>
+            </a:fillRef>
+            <a:effectRef idx="0">
+              <a:schemeClr val="accent1"/>
+            </a:effectRef>
+            <a:fontRef idx="minor">
+              <a:schemeClr val="lt1"/>
+            </a:fontRef>
+          </p:style>
+          <p:txBody>
+            <a:bodyPr rtlCol="0" anchor="ctr"/>
+            <a:lstStyle/>
+            <a:p>
+              <a:pPr algn="ctr"/>
+              <a:endParaRPr kumimoji="1" lang="ja-JP" altLang="en-US"/>
+            </a:p>
+          </p:txBody>
+        </p:sp>
+      </p:grpSp>
+      <p:sp>
+        <p:nvSpPr>
+          <p:cNvPr id="28" name="テキスト ボックス 27">
+            <a:extLst>
+              <a:ext uri="{FF2B5EF4-FFF2-40B4-BE49-F238E27FC236}">
+                <a16:creationId xmlns:a16="http://schemas.microsoft.com/office/drawing/2014/main" id="{1FCC7726-813A-44C3-87E1-FE14FB762EDE}"/>
+              </a:ext>
+            </a:extLst>
+          </p:cNvPr>
+          <p:cNvSpPr txBox="1"/>
+          <p:nvPr/>
+        </p:nvSpPr>
+        <p:spPr>
+          <a:xfrm>
+            <a:off x="251520" y="3284984"/>
+            <a:ext cx="3240360" cy="1077218"/>
+          </a:xfrm>
+          <a:prstGeom prst="rect">
+            <a:avLst/>
+          </a:prstGeom>
+          <a:noFill/>
+        </p:spPr>
+        <p:txBody>
+          <a:bodyPr wrap="square">
+            <a:spAutoFit/>
+          </a:bodyPr>
+          <a:lstStyle/>
+          <a:p>
+            <a:r>
+              <a:rPr lang="ja-JP" altLang="en-US" sz="3200"/>
+              <a:t>ボンドの両側の</a:t>
+            </a:r>
+            <a:endParaRPr lang="en-US" altLang="ja-JP" sz="3200"/>
+          </a:p>
+          <a:p>
+            <a:r>
+              <a:rPr lang="ja-JP" altLang="en-US" sz="3200"/>
+              <a:t>スピンの向き</a:t>
+            </a:r>
+            <a:endParaRPr lang="en-US" altLang="ja-JP" sz="3200"/>
+          </a:p>
+        </p:txBody>
+      </p:sp>
+      <p:sp>
+        <p:nvSpPr>
+          <p:cNvPr id="29" name="テキスト ボックス 28">
+            <a:extLst>
+              <a:ext uri="{FF2B5EF4-FFF2-40B4-BE49-F238E27FC236}">
+                <a16:creationId xmlns:a16="http://schemas.microsoft.com/office/drawing/2014/main" id="{A836AD8D-7B00-476B-9AE6-27E8F0AE42FF}"/>
+              </a:ext>
+            </a:extLst>
+          </p:cNvPr>
+          <p:cNvSpPr txBox="1"/>
+          <p:nvPr/>
+        </p:nvSpPr>
+        <p:spPr>
+          <a:xfrm>
+            <a:off x="4259018" y="3099048"/>
+            <a:ext cx="1107996" cy="646331"/>
+          </a:xfrm>
+          <a:prstGeom prst="rect">
+            <a:avLst/>
+          </a:prstGeom>
+          <a:noFill/>
+        </p:spPr>
+        <p:txBody>
+          <a:bodyPr wrap="none" rtlCol="0">
+            <a:spAutoFit/>
+          </a:bodyPr>
+          <a:lstStyle/>
+          <a:p>
+            <a:r>
+              <a:rPr kumimoji="1" lang="ja-JP" altLang="en-US" sz="3600"/>
+              <a:t>同じ</a:t>
+            </a:r>
+          </a:p>
+        </p:txBody>
+      </p:sp>
+      <p:sp>
+        <p:nvSpPr>
+          <p:cNvPr id="30" name="テキスト ボックス 29">
+            <a:extLst>
+              <a:ext uri="{FF2B5EF4-FFF2-40B4-BE49-F238E27FC236}">
+                <a16:creationId xmlns:a16="http://schemas.microsoft.com/office/drawing/2014/main" id="{AF88DF27-5261-4AE4-AFA3-6F33E473BD49}"/>
+              </a:ext>
+            </a:extLst>
+          </p:cNvPr>
+          <p:cNvSpPr txBox="1"/>
+          <p:nvPr/>
+        </p:nvSpPr>
+        <p:spPr>
+          <a:xfrm>
+            <a:off x="7380312" y="3068960"/>
+            <a:ext cx="646331" cy="646331"/>
+          </a:xfrm>
+          <a:prstGeom prst="rect">
+            <a:avLst/>
+          </a:prstGeom>
+          <a:noFill/>
+        </p:spPr>
+        <p:txBody>
+          <a:bodyPr wrap="none" rtlCol="0">
+            <a:spAutoFit/>
+          </a:bodyPr>
+          <a:lstStyle/>
+          <a:p>
+            <a:r>
+              <a:rPr kumimoji="1" lang="ja-JP" altLang="en-US" sz="3600"/>
+              <a:t>逆</a:t>
+            </a:r>
+          </a:p>
+        </p:txBody>
+      </p:sp>
+      <p:sp>
+        <p:nvSpPr>
+          <p:cNvPr id="32" name="テキスト ボックス 31">
+            <a:extLst>
+              <a:ext uri="{FF2B5EF4-FFF2-40B4-BE49-F238E27FC236}">
+                <a16:creationId xmlns:a16="http://schemas.microsoft.com/office/drawing/2014/main" id="{0C8B23FF-930D-4F8B-A96B-1ECE151DFD5D}"/>
+              </a:ext>
+            </a:extLst>
+          </p:cNvPr>
+          <p:cNvSpPr txBox="1"/>
+          <p:nvPr/>
+        </p:nvSpPr>
+        <p:spPr>
+          <a:xfrm>
+            <a:off x="395536" y="4869160"/>
+            <a:ext cx="2520280" cy="584775"/>
+          </a:xfrm>
+          <a:prstGeom prst="rect">
+            <a:avLst/>
+          </a:prstGeom>
+          <a:noFill/>
+        </p:spPr>
+        <p:txBody>
+          <a:bodyPr wrap="square">
+            <a:spAutoFit/>
+          </a:bodyPr>
+          <a:lstStyle/>
+          <a:p>
+            <a:r>
+              <a:rPr lang="ja-JP" altLang="en-US" sz="3200"/>
+              <a:t>エネルギー</a:t>
+            </a:r>
+            <a:endParaRPr lang="en-US" altLang="ja-JP" sz="3200"/>
+          </a:p>
+        </p:txBody>
+      </p:sp>
+      <mc:AlternateContent xmlns:mc="http://schemas.openxmlformats.org/markup-compatibility/2006">
+        <mc:Choice xmlns:a14="http://schemas.microsoft.com/office/drawing/2010/main" Requires="a14">
+          <p:sp>
+            <p:nvSpPr>
+              <p:cNvPr id="33" name="テキスト ボックス 32">
+                <a:extLst>
+                  <a:ext uri="{FF2B5EF4-FFF2-40B4-BE49-F238E27FC236}">
+                    <a16:creationId xmlns:a16="http://schemas.microsoft.com/office/drawing/2014/main" id="{9A82F268-16CE-46CA-864A-F7A3D1B1CF6A}"/>
+                  </a:ext>
+                </a:extLst>
+              </p:cNvPr>
+              <p:cNvSpPr txBox="1"/>
+              <p:nvPr/>
+            </p:nvSpPr>
+            <p:spPr>
+              <a:xfrm>
+                <a:off x="4211960" y="4725144"/>
+                <a:ext cx="909329" cy="707886"/>
+              </a:xfrm>
+              <a:prstGeom prst="rect">
+                <a:avLst/>
+              </a:prstGeom>
+              <a:noFill/>
+            </p:spPr>
+            <p:txBody>
+              <a:bodyPr wrap="square" rtlCol="0">
+                <a:spAutoFit/>
+              </a:bodyPr>
+              <a:lstStyle/>
+              <a:p>
+                <a14:m>
+                  <m:oMathPara xmlns:m="http://schemas.openxmlformats.org/officeDocument/2006/math">
+                    <m:oMathParaPr>
+                      <m:jc m:val="centerGroup"/>
+                    </m:oMathParaPr>
+                    <m:oMath xmlns:m="http://schemas.openxmlformats.org/officeDocument/2006/math">
+                      <m:r>
+                        <a:rPr kumimoji="1" lang="en-US" altLang="ja-JP" sz="4000" b="0" i="1" smtClean="0">
+                          <a:latin typeface="Cambria Math" panose="02040503050406030204" pitchFamily="18" charset="0"/>
+                        </a:rPr>
+                        <m:t>−</m:t>
+                      </m:r>
+                      <m:r>
+                        <a:rPr kumimoji="1" lang="en-US" altLang="ja-JP" sz="4000" b="0" i="1" smtClean="0">
+                          <a:latin typeface="Cambria Math" panose="02040503050406030204" pitchFamily="18" charset="0"/>
+                        </a:rPr>
+                        <m:t>𝐽</m:t>
+                      </m:r>
+                    </m:oMath>
+                  </m:oMathPara>
+                </a14:m>
+                <a:endParaRPr kumimoji="1" lang="ja-JP" altLang="en-US" sz="4000"/>
+              </a:p>
+            </p:txBody>
+          </p:sp>
+        </mc:Choice>
+        <mc:Fallback>
+          <p:sp>
+            <p:nvSpPr>
+              <p:cNvPr id="33" name="テキスト ボックス 32">
+                <a:extLst>
+                  <a:ext uri="{FF2B5EF4-FFF2-40B4-BE49-F238E27FC236}">
+                    <a16:creationId xmlns:a16="http://schemas.microsoft.com/office/drawing/2014/main" id="{9A82F268-16CE-46CA-864A-F7A3D1B1CF6A}"/>
+                  </a:ext>
+                </a:extLst>
+              </p:cNvPr>
+              <p:cNvSpPr txBox="1">
+                <a:spLocks noRot="1" noChangeAspect="1" noMove="1" noResize="1" noEditPoints="1" noAdjustHandles="1" noChangeArrowheads="1" noChangeShapeType="1" noTextEdit="1"/>
+              </p:cNvSpPr>
+              <p:nvPr/>
+            </p:nvSpPr>
+            <p:spPr>
+              <a:xfrm>
+                <a:off x="4211960" y="4725144"/>
+                <a:ext cx="909329" cy="707886"/>
+              </a:xfrm>
+              <a:prstGeom prst="rect">
+                <a:avLst/>
+              </a:prstGeom>
+              <a:blipFill>
+                <a:blip r:embed="rId2"/>
+                <a:stretch>
+                  <a:fillRect/>
+                </a:stretch>
+              </a:blipFill>
+            </p:spPr>
+            <p:txBody>
+              <a:bodyPr/>
+              <a:lstStyle/>
+              <a:p>
+                <a:r>
+                  <a:rPr lang="ja-JP" altLang="en-US">
+                    <a:noFill/>
+                  </a:rPr>
+                  <a:t> </a:t>
+                </a:r>
+              </a:p>
+            </p:txBody>
+          </p:sp>
+        </mc:Fallback>
+      </mc:AlternateContent>
+      <mc:AlternateContent xmlns:mc="http://schemas.openxmlformats.org/markup-compatibility/2006">
+        <mc:Choice xmlns:a14="http://schemas.microsoft.com/office/drawing/2010/main" Requires="a14">
+          <p:sp>
+            <p:nvSpPr>
+              <p:cNvPr id="34" name="テキスト ボックス 33">
+                <a:extLst>
+                  <a:ext uri="{FF2B5EF4-FFF2-40B4-BE49-F238E27FC236}">
+                    <a16:creationId xmlns:a16="http://schemas.microsoft.com/office/drawing/2014/main" id="{BFA9C308-E22F-484E-A210-3C319EEADD58}"/>
+                  </a:ext>
+                </a:extLst>
+              </p:cNvPr>
+              <p:cNvSpPr txBox="1"/>
+              <p:nvPr/>
+            </p:nvSpPr>
+            <p:spPr>
+              <a:xfrm>
+                <a:off x="7236296" y="4653136"/>
+                <a:ext cx="909329" cy="707886"/>
+              </a:xfrm>
+              <a:prstGeom prst="rect">
+                <a:avLst/>
+              </a:prstGeom>
+              <a:noFill/>
+            </p:spPr>
+            <p:txBody>
+              <a:bodyPr wrap="square" rtlCol="0">
+                <a:spAutoFit/>
+              </a:bodyPr>
+              <a:lstStyle/>
+              <a:p>
+                <a14:m>
+                  <m:oMathPara xmlns:m="http://schemas.openxmlformats.org/officeDocument/2006/math">
+                    <m:oMathParaPr>
+                      <m:jc m:val="centerGroup"/>
+                    </m:oMathParaPr>
+                    <m:oMath xmlns:m="http://schemas.openxmlformats.org/officeDocument/2006/math">
+                      <m:r>
+                        <a:rPr kumimoji="1" lang="en-US" altLang="ja-JP" sz="4000" b="0" i="1" smtClean="0">
+                          <a:latin typeface="Cambria Math" panose="02040503050406030204" pitchFamily="18" charset="0"/>
+                        </a:rPr>
+                        <m:t>𝐽</m:t>
+                      </m:r>
+                    </m:oMath>
+                  </m:oMathPara>
+                </a14:m>
+                <a:endParaRPr kumimoji="1" lang="ja-JP" altLang="en-US" sz="4000"/>
+              </a:p>
+            </p:txBody>
+          </p:sp>
+        </mc:Choice>
+        <mc:Fallback>
+          <p:sp>
+            <p:nvSpPr>
+              <p:cNvPr id="34" name="テキスト ボックス 33">
+                <a:extLst>
+                  <a:ext uri="{FF2B5EF4-FFF2-40B4-BE49-F238E27FC236}">
+                    <a16:creationId xmlns:a16="http://schemas.microsoft.com/office/drawing/2014/main" id="{BFA9C308-E22F-484E-A210-3C319EEADD58}"/>
+                  </a:ext>
+                </a:extLst>
+              </p:cNvPr>
+              <p:cNvSpPr txBox="1">
+                <a:spLocks noRot="1" noChangeAspect="1" noMove="1" noResize="1" noEditPoints="1" noAdjustHandles="1" noChangeArrowheads="1" noChangeShapeType="1" noTextEdit="1"/>
+              </p:cNvSpPr>
+              <p:nvPr/>
+            </p:nvSpPr>
+            <p:spPr>
+              <a:xfrm>
+                <a:off x="7236296" y="4653136"/>
+                <a:ext cx="909329" cy="707886"/>
+              </a:xfrm>
+              <a:prstGeom prst="rect">
+                <a:avLst/>
+              </a:prstGeom>
+              <a:blipFill>
+                <a:blip r:embed="rId3"/>
+                <a:stretch>
+                  <a:fillRect/>
+                </a:stretch>
+              </a:blipFill>
+            </p:spPr>
+            <p:txBody>
+              <a:bodyPr/>
+              <a:lstStyle/>
+              <a:p>
+                <a:r>
+                  <a:rPr lang="ja-JP" altLang="en-US">
+                    <a:noFill/>
+                  </a:rPr>
+                  <a:t> </a:t>
+                </a:r>
+              </a:p>
+            </p:txBody>
+          </p:sp>
+        </mc:Fallback>
+      </mc:AlternateContent>
+      <mc:AlternateContent xmlns:mc="http://schemas.openxmlformats.org/markup-compatibility/2006">
+        <mc:Choice xmlns:a14="http://schemas.microsoft.com/office/drawing/2010/main" Requires="a14">
+          <p:sp>
+            <p:nvSpPr>
+              <p:cNvPr id="35" name="テキスト ボックス 34">
+                <a:extLst>
+                  <a:ext uri="{FF2B5EF4-FFF2-40B4-BE49-F238E27FC236}">
+                    <a16:creationId xmlns:a16="http://schemas.microsoft.com/office/drawing/2014/main" id="{51783B99-0D27-4C0F-AB86-98FD2B77E1D1}"/>
+                  </a:ext>
+                </a:extLst>
+              </p:cNvPr>
+              <p:cNvSpPr txBox="1"/>
+              <p:nvPr/>
+            </p:nvSpPr>
+            <p:spPr>
+              <a:xfrm>
+                <a:off x="827584" y="5733256"/>
+                <a:ext cx="7200800" cy="954107"/>
+              </a:xfrm>
+              <a:prstGeom prst="rect">
+                <a:avLst/>
+              </a:prstGeom>
+              <a:noFill/>
+              <a:ln>
+                <a:solidFill>
+                  <a:schemeClr val="tx1"/>
+                </a:solidFill>
+              </a:ln>
+            </p:spPr>
+            <p:txBody>
+              <a:bodyPr wrap="square" rtlCol="0">
+                <a:spAutoFit/>
+              </a:bodyPr>
+              <a:lstStyle/>
+              <a:p>
+                <a14:m>
+                  <m:oMath xmlns:m="http://schemas.openxmlformats.org/officeDocument/2006/math">
+                    <m:r>
+                      <a:rPr kumimoji="1" lang="en-US" altLang="ja-JP" sz="2800" b="0" i="1" smtClean="0">
+                        <a:latin typeface="Cambria Math" panose="02040503050406030204" pitchFamily="18" charset="0"/>
+                      </a:rPr>
+                      <m:t>𝐽</m:t>
+                    </m:r>
+                    <m:r>
+                      <a:rPr kumimoji="1" lang="en-US" altLang="ja-JP" sz="2800" b="0" i="1" smtClean="0">
+                        <a:latin typeface="Cambria Math" panose="02040503050406030204" pitchFamily="18" charset="0"/>
+                      </a:rPr>
+                      <m:t>&gt;0</m:t>
+                    </m:r>
+                  </m:oMath>
+                </a14:m>
+                <a:r>
+                  <a:rPr kumimoji="1" lang="ja-JP" altLang="en-US" sz="2800"/>
+                  <a:t>ならスピンは揃いたがる</a:t>
+                </a:r>
+                <a:r>
+                  <a:rPr kumimoji="1" lang="en-US" altLang="ja-JP" sz="2800"/>
+                  <a:t>(</a:t>
+                </a:r>
+                <a:r>
+                  <a:rPr kumimoji="1" lang="ja-JP" altLang="en-US" sz="2800"/>
+                  <a:t>強磁性的</a:t>
+                </a:r>
+                <a:r>
+                  <a:rPr kumimoji="1" lang="en-US" altLang="ja-JP" sz="2800"/>
+                  <a:t>)</a:t>
+                </a:r>
+              </a:p>
+              <a:p>
+                <a14:m>
+                  <m:oMath xmlns:m="http://schemas.openxmlformats.org/officeDocument/2006/math">
+                    <m:r>
+                      <a:rPr kumimoji="1" lang="en-US" altLang="ja-JP" sz="2800" b="0" i="1" smtClean="0">
+                        <a:latin typeface="Cambria Math" panose="02040503050406030204" pitchFamily="18" charset="0"/>
+                      </a:rPr>
+                      <m:t>𝐽</m:t>
+                    </m:r>
+                    <m:r>
+                      <a:rPr kumimoji="1" lang="en-US" altLang="ja-JP" sz="2800" b="0" i="1" smtClean="0">
+                        <a:latin typeface="Cambria Math" panose="02040503050406030204" pitchFamily="18" charset="0"/>
+                      </a:rPr>
+                      <m:t>&lt;0</m:t>
+                    </m:r>
+                  </m:oMath>
+                </a14:m>
+                <a:r>
+                  <a:rPr kumimoji="1" lang="ja-JP" altLang="en-US" sz="2800"/>
+                  <a:t>ならスピンは逆向きを好む</a:t>
+                </a:r>
+                <a:r>
+                  <a:rPr kumimoji="1" lang="en-US" altLang="ja-JP" sz="2800"/>
+                  <a:t>(</a:t>
+                </a:r>
+                <a:r>
+                  <a:rPr kumimoji="1" lang="ja-JP" altLang="en-US" sz="2800"/>
+                  <a:t>反強磁性</a:t>
+                </a:r>
+                <a:r>
+                  <a:rPr kumimoji="1" lang="en-US" altLang="ja-JP" sz="2800"/>
+                  <a:t>)</a:t>
+                </a:r>
+              </a:p>
+            </p:txBody>
+          </p:sp>
+        </mc:Choice>
+        <mc:Fallback>
+          <p:sp>
+            <p:nvSpPr>
+              <p:cNvPr id="35" name="テキスト ボックス 34">
+                <a:extLst>
+                  <a:ext uri="{FF2B5EF4-FFF2-40B4-BE49-F238E27FC236}">
+                    <a16:creationId xmlns:a16="http://schemas.microsoft.com/office/drawing/2014/main" id="{51783B99-0D27-4C0F-AB86-98FD2B77E1D1}"/>
+                  </a:ext>
+                </a:extLst>
+              </p:cNvPr>
+              <p:cNvSpPr txBox="1">
+                <a:spLocks noRot="1" noChangeAspect="1" noMove="1" noResize="1" noEditPoints="1" noAdjustHandles="1" noChangeArrowheads="1" noChangeShapeType="1" noTextEdit="1"/>
+              </p:cNvSpPr>
+              <p:nvPr/>
+            </p:nvSpPr>
+            <p:spPr>
+              <a:xfrm>
+                <a:off x="827584" y="5733256"/>
+                <a:ext cx="7200800" cy="954107"/>
+              </a:xfrm>
+              <a:prstGeom prst="rect">
+                <a:avLst/>
+              </a:prstGeom>
+              <a:blipFill>
+                <a:blip r:embed="rId4"/>
+                <a:stretch>
+                  <a:fillRect t="-7547" b="-15723"/>
+                </a:stretch>
+              </a:blipFill>
+              <a:ln>
+                <a:solidFill>
+                  <a:schemeClr val="tx1"/>
+                </a:solidFill>
+              </a:ln>
+            </p:spPr>
+            <p:txBody>
+              <a:bodyPr/>
+              <a:lstStyle/>
+              <a:p>
+                <a:r>
+                  <a:rPr lang="ja-JP" altLang="en-US">
+                    <a:noFill/>
+                  </a:rPr>
+                  <a:t> </a:t>
+                </a:r>
+              </a:p>
+            </p:txBody>
+          </p:sp>
+        </mc:Fallback>
+      </mc:AlternateContent>
+    </p:spTree>
+    <p:extLst>
+      <p:ext uri="{BB962C8B-B14F-4D97-AF65-F5344CB8AC3E}">
+        <p14:creationId xmlns:p14="http://schemas.microsoft.com/office/powerpoint/2010/main" val="2757094148"/>
+      </p:ext>
+    </p:extLst>
+  </p:cSld>
+  <p:clrMapOvr>
+    <a:masterClrMapping/>
+  </p:clrMapOvr>
+</p:sld>
+</file>
+
+<file path=ppt/slides/slide4.xml><?xml version="1.0" encoding="utf-8"?>
+<p:sld xmlns:a="http://schemas.openxmlformats.org/drawingml/2006/main" xmlns:r="http://schemas.openxmlformats.org/officeDocument/2006/relationships" xmlns:p="http://schemas.openxmlformats.org/presentationml/2006/main">
+  <p:cSld>
+    <p:spTree>
+      <p:nvGrpSpPr>
+        <p:cNvPr id="1" name=""/>
+        <p:cNvGrpSpPr/>
+        <p:nvPr/>
+      </p:nvGrpSpPr>
+      <p:grpSpPr>
+        <a:xfrm>
+          <a:off x="0" y="0"/>
+          <a:ext cx="0" cy="0"/>
+          <a:chOff x="0" y="0"/>
+          <a:chExt cx="0" cy="0"/>
+        </a:xfrm>
+      </p:grpSpPr>
+      <p:sp>
+        <p:nvSpPr>
+          <p:cNvPr id="2" name="テキスト プレースホルダー 1">
+            <a:extLst>
+              <a:ext uri="{FF2B5EF4-FFF2-40B4-BE49-F238E27FC236}">
+                <a16:creationId xmlns:a16="http://schemas.microsoft.com/office/drawing/2014/main" id="{6FB1F8AB-DF29-4C72-A6D3-B789F1327849}"/>
+              </a:ext>
+            </a:extLst>
+          </p:cNvPr>
+          <p:cNvSpPr>
+            <a:spLocks noGrp="1"/>
+          </p:cNvSpPr>
+          <p:nvPr>
+            <p:ph type="body" sz="quarter" idx="10"/>
+          </p:nvPr>
+        </p:nvSpPr>
+        <p:spPr/>
+        <p:txBody>
+          <a:bodyPr/>
+          <a:lstStyle/>
+          <a:p>
+            <a:r>
+              <a:rPr kumimoji="1" lang="ja-JP" altLang="en-US"/>
+              <a:t>イジング模型</a:t>
+            </a:r>
+          </a:p>
+        </p:txBody>
+      </p:sp>
+      <p:grpSp>
+        <p:nvGrpSpPr>
+          <p:cNvPr id="19" name="グループ化 18">
+            <a:extLst>
+              <a:ext uri="{FF2B5EF4-FFF2-40B4-BE49-F238E27FC236}">
+                <a16:creationId xmlns:a16="http://schemas.microsoft.com/office/drawing/2014/main" id="{5E64C45D-BAD7-437F-A6A6-9AD8742EBC80}"/>
+              </a:ext>
+            </a:extLst>
+          </p:cNvPr>
+          <p:cNvGrpSpPr/>
+          <p:nvPr/>
+        </p:nvGrpSpPr>
+        <p:grpSpPr>
+          <a:xfrm rot="10800000">
+            <a:off x="395536" y="2780928"/>
+            <a:ext cx="720080" cy="720080"/>
+            <a:chOff x="792000" y="2529000"/>
+            <a:chExt cx="360000" cy="360000"/>
+          </a:xfrm>
+        </p:grpSpPr>
+        <p:sp>
+          <p:nvSpPr>
+            <p:cNvPr id="20" name="楕円 19">
+              <a:extLst>
+                <a:ext uri="{FF2B5EF4-FFF2-40B4-BE49-F238E27FC236}">
+                  <a16:creationId xmlns:a16="http://schemas.microsoft.com/office/drawing/2014/main" id="{72FD4C94-6277-4D22-BEE3-85E96E54B3C7}"/>
+                </a:ext>
+              </a:extLst>
+            </p:cNvPr>
+            <p:cNvSpPr/>
+            <p:nvPr/>
+          </p:nvSpPr>
+          <p:spPr>
+            <a:xfrm>
+              <a:off x="792000" y="2529000"/>
+              <a:ext cx="360000" cy="360000"/>
+            </a:xfrm>
+            <a:prstGeom prst="ellipse">
+              <a:avLst/>
+            </a:prstGeom>
+            <a:noFill/>
+            <a:ln>
+              <a:solidFill>
+                <a:schemeClr val="tx1"/>
+              </a:solidFill>
+            </a:ln>
+          </p:spPr>
+          <p:style>
+            <a:lnRef idx="2">
+              <a:schemeClr val="accent1">
+                <a:shade val="50000"/>
+              </a:schemeClr>
+            </a:lnRef>
+            <a:fillRef idx="1">
+              <a:schemeClr val="accent1"/>
+            </a:fillRef>
+            <a:effectRef idx="0">
+              <a:schemeClr val="accent1"/>
+            </a:effectRef>
+            <a:fontRef idx="minor">
+              <a:schemeClr val="lt1"/>
+            </a:fontRef>
+          </p:style>
+          <p:txBody>
+            <a:bodyPr rtlCol="0" anchor="ctr"/>
+            <a:lstStyle/>
+            <a:p>
+              <a:pPr algn="ctr"/>
+              <a:endParaRPr kumimoji="1" lang="ja-JP" altLang="en-US" dirty="0"/>
+            </a:p>
+          </p:txBody>
+        </p:sp>
+        <p:sp>
+          <p:nvSpPr>
+            <p:cNvPr id="21" name="矢印: 下 20">
+              <a:extLst>
+                <a:ext uri="{FF2B5EF4-FFF2-40B4-BE49-F238E27FC236}">
+                  <a16:creationId xmlns:a16="http://schemas.microsoft.com/office/drawing/2014/main" id="{CDA3BED9-DA4D-4E8C-A88B-49646D1EDF2A}"/>
+                </a:ext>
+              </a:extLst>
+            </p:cNvPr>
+            <p:cNvSpPr/>
+            <p:nvPr/>
+          </p:nvSpPr>
+          <p:spPr>
+            <a:xfrm>
+              <a:off x="882000" y="2574000"/>
+              <a:ext cx="180000" cy="270000"/>
+            </a:xfrm>
+            <a:prstGeom prst="downArrow">
+              <a:avLst/>
+            </a:prstGeom>
+            <a:solidFill>
+              <a:srgbClr val="FF0000"/>
+            </a:solidFill>
+            <a:ln>
+              <a:solidFill>
+                <a:schemeClr val="tx1"/>
+              </a:solidFill>
+            </a:ln>
+          </p:spPr>
+          <p:style>
+            <a:lnRef idx="2">
+              <a:schemeClr val="accent1">
+                <a:shade val="50000"/>
+              </a:schemeClr>
+            </a:lnRef>
+            <a:fillRef idx="1">
+              <a:schemeClr val="accent1"/>
+            </a:fillRef>
+            <a:effectRef idx="0">
+              <a:schemeClr val="accent1"/>
+            </a:effectRef>
+            <a:fontRef idx="minor">
+              <a:schemeClr val="lt1"/>
+            </a:fontRef>
+          </p:style>
+          <p:txBody>
+            <a:bodyPr rtlCol="0" anchor="ctr"/>
+            <a:lstStyle/>
+            <a:p>
+              <a:pPr algn="ctr"/>
+              <a:endParaRPr kumimoji="1" lang="ja-JP" altLang="en-US"/>
+            </a:p>
+          </p:txBody>
+        </p:sp>
+      </p:grpSp>
+      <p:cxnSp>
+        <p:nvCxnSpPr>
+          <p:cNvPr id="22" name="直線コネクタ 21">
+            <a:extLst>
+              <a:ext uri="{FF2B5EF4-FFF2-40B4-BE49-F238E27FC236}">
+                <a16:creationId xmlns:a16="http://schemas.microsoft.com/office/drawing/2014/main" id="{DE94E05E-49CC-4BD7-89D2-4558707D1834}"/>
+              </a:ext>
+            </a:extLst>
+          </p:cNvPr>
+          <p:cNvCxnSpPr>
+            <a:cxnSpLocks/>
+          </p:cNvCxnSpPr>
+          <p:nvPr/>
+        </p:nvCxnSpPr>
+        <p:spPr>
+          <a:xfrm>
+            <a:off x="1115616" y="3140968"/>
+            <a:ext cx="720080" cy="0"/>
+          </a:xfrm>
+          <a:prstGeom prst="line">
+            <a:avLst/>
+          </a:prstGeom>
+          <a:ln w="57150">
+            <a:solidFill>
+              <a:srgbClr val="0070C0"/>
+            </a:solidFill>
+            <a:headEnd type="none" w="med" len="med"/>
+            <a:tailEnd type="none" w="med" len="med"/>
+          </a:ln>
+        </p:spPr>
+        <p:style>
+          <a:lnRef idx="1">
+            <a:schemeClr val="accent1"/>
+          </a:lnRef>
+          <a:fillRef idx="0">
+            <a:schemeClr val="accent1"/>
+          </a:fillRef>
+          <a:effectRef idx="0">
+            <a:schemeClr val="accent1"/>
+          </a:effectRef>
+          <a:fontRef idx="minor">
+            <a:schemeClr val="tx1"/>
+          </a:fontRef>
+        </p:style>
+      </p:cxnSp>
+      <p:grpSp>
+        <p:nvGrpSpPr>
+          <p:cNvPr id="23" name="グループ化 22">
+            <a:extLst>
+              <a:ext uri="{FF2B5EF4-FFF2-40B4-BE49-F238E27FC236}">
+                <a16:creationId xmlns:a16="http://schemas.microsoft.com/office/drawing/2014/main" id="{37B41853-7DF8-4B77-A88C-1E24E1786EA3}"/>
+              </a:ext>
+            </a:extLst>
+          </p:cNvPr>
+          <p:cNvGrpSpPr/>
+          <p:nvPr/>
+        </p:nvGrpSpPr>
+        <p:grpSpPr>
+          <a:xfrm rot="10800000">
+            <a:off x="1835696" y="2780928"/>
+            <a:ext cx="720080" cy="720080"/>
+            <a:chOff x="792000" y="2529000"/>
+            <a:chExt cx="360000" cy="360000"/>
+          </a:xfrm>
+        </p:grpSpPr>
+        <p:sp>
+          <p:nvSpPr>
+            <p:cNvPr id="24" name="楕円 23">
+              <a:extLst>
+                <a:ext uri="{FF2B5EF4-FFF2-40B4-BE49-F238E27FC236}">
+                  <a16:creationId xmlns:a16="http://schemas.microsoft.com/office/drawing/2014/main" id="{4F9A5106-B8AC-4152-B47A-E63D3EB7C3D6}"/>
+                </a:ext>
+              </a:extLst>
+            </p:cNvPr>
+            <p:cNvSpPr/>
+            <p:nvPr/>
+          </p:nvSpPr>
+          <p:spPr>
+            <a:xfrm>
+              <a:off x="792000" y="2529000"/>
+              <a:ext cx="360000" cy="360000"/>
+            </a:xfrm>
+            <a:prstGeom prst="ellipse">
+              <a:avLst/>
+            </a:prstGeom>
+            <a:noFill/>
+            <a:ln>
+              <a:solidFill>
+                <a:schemeClr val="tx1"/>
+              </a:solidFill>
+            </a:ln>
+          </p:spPr>
+          <p:style>
+            <a:lnRef idx="2">
+              <a:schemeClr val="accent1">
+                <a:shade val="50000"/>
+              </a:schemeClr>
+            </a:lnRef>
+            <a:fillRef idx="1">
+              <a:schemeClr val="accent1"/>
+            </a:fillRef>
+            <a:effectRef idx="0">
+              <a:schemeClr val="accent1"/>
+            </a:effectRef>
+            <a:fontRef idx="minor">
+              <a:schemeClr val="lt1"/>
+            </a:fontRef>
+          </p:style>
+          <p:txBody>
+            <a:bodyPr rtlCol="0" anchor="ctr"/>
+            <a:lstStyle/>
+            <a:p>
+              <a:pPr algn="ctr"/>
+              <a:endParaRPr kumimoji="1" lang="ja-JP" altLang="en-US" dirty="0"/>
+            </a:p>
+          </p:txBody>
+        </p:sp>
+        <p:sp>
+          <p:nvSpPr>
+            <p:cNvPr id="25" name="矢印: 下 24">
+              <a:extLst>
+                <a:ext uri="{FF2B5EF4-FFF2-40B4-BE49-F238E27FC236}">
+                  <a16:creationId xmlns:a16="http://schemas.microsoft.com/office/drawing/2014/main" id="{460F2677-8467-46DB-962A-CB12E78D7134}"/>
+                </a:ext>
+              </a:extLst>
+            </p:cNvPr>
+            <p:cNvSpPr/>
+            <p:nvPr/>
+          </p:nvSpPr>
+          <p:spPr>
+            <a:xfrm>
+              <a:off x="882000" y="2574000"/>
+              <a:ext cx="180000" cy="270000"/>
+            </a:xfrm>
+            <a:prstGeom prst="downArrow">
+              <a:avLst/>
+            </a:prstGeom>
+            <a:solidFill>
+              <a:srgbClr val="FF0000"/>
+            </a:solidFill>
+            <a:ln>
+              <a:solidFill>
+                <a:schemeClr val="tx1"/>
+              </a:solidFill>
+            </a:ln>
+          </p:spPr>
+          <p:style>
+            <a:lnRef idx="2">
+              <a:schemeClr val="accent1">
+                <a:shade val="50000"/>
+              </a:schemeClr>
+            </a:lnRef>
+            <a:fillRef idx="1">
+              <a:schemeClr val="accent1"/>
+            </a:fillRef>
+            <a:effectRef idx="0">
+              <a:schemeClr val="accent1"/>
+            </a:effectRef>
+            <a:fontRef idx="minor">
+              <a:schemeClr val="lt1"/>
+            </a:fontRef>
+          </p:style>
+          <p:txBody>
+            <a:bodyPr rtlCol="0" anchor="ctr"/>
+            <a:lstStyle/>
+            <a:p>
+              <a:pPr algn="ctr"/>
+              <a:endParaRPr kumimoji="1" lang="ja-JP" altLang="en-US"/>
+            </a:p>
+          </p:txBody>
+        </p:sp>
+      </p:grpSp>
+      <p:grpSp>
+        <p:nvGrpSpPr>
+          <p:cNvPr id="26" name="グループ化 25">
+            <a:extLst>
+              <a:ext uri="{FF2B5EF4-FFF2-40B4-BE49-F238E27FC236}">
+                <a16:creationId xmlns:a16="http://schemas.microsoft.com/office/drawing/2014/main" id="{92B12F77-5600-4652-85C7-696C3B15F5CE}"/>
+              </a:ext>
+            </a:extLst>
+          </p:cNvPr>
+          <p:cNvGrpSpPr/>
+          <p:nvPr/>
+        </p:nvGrpSpPr>
+        <p:grpSpPr>
+          <a:xfrm rot="10800000">
+            <a:off x="395536" y="4221088"/>
+            <a:ext cx="720080" cy="720080"/>
+            <a:chOff x="792000" y="2529000"/>
+            <a:chExt cx="360000" cy="360000"/>
+          </a:xfrm>
+        </p:grpSpPr>
+        <p:sp>
+          <p:nvSpPr>
+            <p:cNvPr id="27" name="楕円 26">
+              <a:extLst>
+                <a:ext uri="{FF2B5EF4-FFF2-40B4-BE49-F238E27FC236}">
+                  <a16:creationId xmlns:a16="http://schemas.microsoft.com/office/drawing/2014/main" id="{DA4987DF-C631-4C1D-84F5-B07D079D1069}"/>
+                </a:ext>
+              </a:extLst>
+            </p:cNvPr>
+            <p:cNvSpPr/>
+            <p:nvPr/>
+          </p:nvSpPr>
+          <p:spPr>
+            <a:xfrm>
+              <a:off x="792000" y="2529000"/>
+              <a:ext cx="360000" cy="360000"/>
+            </a:xfrm>
+            <a:prstGeom prst="ellipse">
+              <a:avLst/>
+            </a:prstGeom>
+            <a:noFill/>
+            <a:ln>
+              <a:solidFill>
+                <a:schemeClr val="tx1"/>
+              </a:solidFill>
+            </a:ln>
+          </p:spPr>
+          <p:style>
+            <a:lnRef idx="2">
+              <a:schemeClr val="accent1">
+                <a:shade val="50000"/>
+              </a:schemeClr>
+            </a:lnRef>
+            <a:fillRef idx="1">
+              <a:schemeClr val="accent1"/>
+            </a:fillRef>
+            <a:effectRef idx="0">
+              <a:schemeClr val="accent1"/>
+            </a:effectRef>
+            <a:fontRef idx="minor">
+              <a:schemeClr val="lt1"/>
+            </a:fontRef>
+          </p:style>
+          <p:txBody>
+            <a:bodyPr rtlCol="0" anchor="ctr"/>
+            <a:lstStyle/>
+            <a:p>
+              <a:pPr algn="ctr"/>
+              <a:endParaRPr kumimoji="1" lang="ja-JP" altLang="en-US" dirty="0"/>
+            </a:p>
+          </p:txBody>
+        </p:sp>
+        <p:sp>
+          <p:nvSpPr>
+            <p:cNvPr id="28" name="矢印: 下 27">
+              <a:extLst>
+                <a:ext uri="{FF2B5EF4-FFF2-40B4-BE49-F238E27FC236}">
+                  <a16:creationId xmlns:a16="http://schemas.microsoft.com/office/drawing/2014/main" id="{DF63489E-552E-4EA4-869A-75375F56B789}"/>
+                </a:ext>
+              </a:extLst>
+            </p:cNvPr>
+            <p:cNvSpPr/>
+            <p:nvPr/>
+          </p:nvSpPr>
+          <p:spPr>
+            <a:xfrm>
+              <a:off x="882000" y="2574000"/>
+              <a:ext cx="180000" cy="270000"/>
+            </a:xfrm>
+            <a:prstGeom prst="downArrow">
+              <a:avLst/>
+            </a:prstGeom>
+            <a:solidFill>
+              <a:srgbClr val="FF0000"/>
+            </a:solidFill>
+            <a:ln>
+              <a:solidFill>
+                <a:schemeClr val="tx1"/>
+              </a:solidFill>
+            </a:ln>
+          </p:spPr>
+          <p:style>
+            <a:lnRef idx="2">
+              <a:schemeClr val="accent1">
+                <a:shade val="50000"/>
+              </a:schemeClr>
+            </a:lnRef>
+            <a:fillRef idx="1">
+              <a:schemeClr val="accent1"/>
+            </a:fillRef>
+            <a:effectRef idx="0">
+              <a:schemeClr val="accent1"/>
+            </a:effectRef>
+            <a:fontRef idx="minor">
+              <a:schemeClr val="lt1"/>
+            </a:fontRef>
+          </p:style>
+          <p:txBody>
+            <a:bodyPr rtlCol="0" anchor="ctr"/>
+            <a:lstStyle/>
+            <a:p>
+              <a:pPr algn="ctr"/>
+              <a:endParaRPr kumimoji="1" lang="ja-JP" altLang="en-US"/>
+            </a:p>
+          </p:txBody>
+        </p:sp>
+      </p:grpSp>
+      <p:cxnSp>
+        <p:nvCxnSpPr>
+          <p:cNvPr id="29" name="直線コネクタ 28">
+            <a:extLst>
+              <a:ext uri="{FF2B5EF4-FFF2-40B4-BE49-F238E27FC236}">
+                <a16:creationId xmlns:a16="http://schemas.microsoft.com/office/drawing/2014/main" id="{113FFAA6-E4A2-4D10-8AF2-0C04ECDF332D}"/>
+              </a:ext>
+            </a:extLst>
+          </p:cNvPr>
+          <p:cNvCxnSpPr>
+            <a:cxnSpLocks/>
+            <a:stCxn id="27" idx="2"/>
+            <a:endCxn id="31" idx="2"/>
+          </p:cNvCxnSpPr>
+          <p:nvPr/>
+        </p:nvCxnSpPr>
+        <p:spPr>
+          <a:xfrm>
+            <a:off x="1115616" y="4581128"/>
+            <a:ext cx="720080" cy="0"/>
+          </a:xfrm>
+          <a:prstGeom prst="line">
+            <a:avLst/>
+          </a:prstGeom>
+          <a:ln w="57150">
+            <a:solidFill>
+              <a:srgbClr val="FF0000"/>
+            </a:solidFill>
+            <a:headEnd type="none" w="med" len="med"/>
+            <a:tailEnd type="none" w="med" len="med"/>
+          </a:ln>
+        </p:spPr>
+        <p:style>
+          <a:lnRef idx="1">
+            <a:schemeClr val="accent1"/>
+          </a:lnRef>
+          <a:fillRef idx="0">
+            <a:schemeClr val="accent1"/>
+          </a:fillRef>
+          <a:effectRef idx="0">
+            <a:schemeClr val="accent1"/>
+          </a:effectRef>
+          <a:fontRef idx="minor">
+            <a:schemeClr val="tx1"/>
+          </a:fontRef>
+        </p:style>
+      </p:cxnSp>
+      <p:grpSp>
+        <p:nvGrpSpPr>
+          <p:cNvPr id="30" name="グループ化 29">
+            <a:extLst>
+              <a:ext uri="{FF2B5EF4-FFF2-40B4-BE49-F238E27FC236}">
+                <a16:creationId xmlns:a16="http://schemas.microsoft.com/office/drawing/2014/main" id="{DDBC6D9D-4827-4F21-A917-0A259955E5D3}"/>
+              </a:ext>
+            </a:extLst>
+          </p:cNvPr>
+          <p:cNvGrpSpPr/>
+          <p:nvPr/>
+        </p:nvGrpSpPr>
+        <p:grpSpPr>
+          <a:xfrm>
+            <a:off x="1835696" y="4221088"/>
+            <a:ext cx="720080" cy="720080"/>
+            <a:chOff x="792000" y="2529000"/>
+            <a:chExt cx="360000" cy="360000"/>
+          </a:xfrm>
+        </p:grpSpPr>
+        <p:sp>
+          <p:nvSpPr>
+            <p:cNvPr id="31" name="楕円 30">
+              <a:extLst>
+                <a:ext uri="{FF2B5EF4-FFF2-40B4-BE49-F238E27FC236}">
+                  <a16:creationId xmlns:a16="http://schemas.microsoft.com/office/drawing/2014/main" id="{7F82848B-767B-4C24-AE7D-1C104432EAAF}"/>
+                </a:ext>
+              </a:extLst>
+            </p:cNvPr>
+            <p:cNvSpPr/>
+            <p:nvPr/>
+          </p:nvSpPr>
+          <p:spPr>
+            <a:xfrm>
+              <a:off x="792000" y="2529000"/>
+              <a:ext cx="360000" cy="360000"/>
+            </a:xfrm>
+            <a:prstGeom prst="ellipse">
+              <a:avLst/>
+            </a:prstGeom>
+            <a:noFill/>
+            <a:ln>
+              <a:solidFill>
+                <a:schemeClr val="tx1"/>
+              </a:solidFill>
+            </a:ln>
+          </p:spPr>
+          <p:style>
+            <a:lnRef idx="2">
+              <a:schemeClr val="accent1">
+                <a:shade val="50000"/>
+              </a:schemeClr>
+            </a:lnRef>
+            <a:fillRef idx="1">
+              <a:schemeClr val="accent1"/>
+            </a:fillRef>
+            <a:effectRef idx="0">
+              <a:schemeClr val="accent1"/>
+            </a:effectRef>
+            <a:fontRef idx="minor">
+              <a:schemeClr val="lt1"/>
+            </a:fontRef>
+          </p:style>
+          <p:txBody>
+            <a:bodyPr rtlCol="0" anchor="ctr"/>
+            <a:lstStyle/>
+            <a:p>
+              <a:pPr algn="ctr"/>
+              <a:endParaRPr kumimoji="1" lang="ja-JP" altLang="en-US" dirty="0"/>
+            </a:p>
+          </p:txBody>
+        </p:sp>
+        <p:sp>
+          <p:nvSpPr>
+            <p:cNvPr id="32" name="矢印: 下 31">
+              <a:extLst>
+                <a:ext uri="{FF2B5EF4-FFF2-40B4-BE49-F238E27FC236}">
+                  <a16:creationId xmlns:a16="http://schemas.microsoft.com/office/drawing/2014/main" id="{F9187073-F2DF-4D57-A4D3-50544DA4BD8F}"/>
+                </a:ext>
+              </a:extLst>
+            </p:cNvPr>
+            <p:cNvSpPr/>
+            <p:nvPr/>
+          </p:nvSpPr>
+          <p:spPr>
+            <a:xfrm>
+              <a:off x="882000" y="2574000"/>
+              <a:ext cx="180000" cy="270000"/>
+            </a:xfrm>
+            <a:prstGeom prst="downArrow">
+              <a:avLst/>
+            </a:prstGeom>
+            <a:solidFill>
+              <a:srgbClr val="FF0000"/>
+            </a:solidFill>
+            <a:ln>
+              <a:solidFill>
+                <a:schemeClr val="tx1"/>
+              </a:solidFill>
+            </a:ln>
+          </p:spPr>
+          <p:style>
+            <a:lnRef idx="2">
+              <a:schemeClr val="accent1">
+                <a:shade val="50000"/>
+              </a:schemeClr>
+            </a:lnRef>
+            <a:fillRef idx="1">
+              <a:schemeClr val="accent1"/>
+            </a:fillRef>
+            <a:effectRef idx="0">
+              <a:schemeClr val="accent1"/>
+            </a:effectRef>
+            <a:fontRef idx="minor">
+              <a:schemeClr val="lt1"/>
+            </a:fontRef>
+          </p:style>
+          <p:txBody>
+            <a:bodyPr rtlCol="0" anchor="ctr"/>
+            <a:lstStyle/>
+            <a:p>
+              <a:pPr algn="ctr"/>
+              <a:endParaRPr kumimoji="1" lang="ja-JP" altLang="en-US"/>
+            </a:p>
+          </p:txBody>
+        </p:sp>
+      </p:grpSp>
+      <p:cxnSp>
+        <p:nvCxnSpPr>
+          <p:cNvPr id="33" name="直線コネクタ 32">
+            <a:extLst>
+              <a:ext uri="{FF2B5EF4-FFF2-40B4-BE49-F238E27FC236}">
+                <a16:creationId xmlns:a16="http://schemas.microsoft.com/office/drawing/2014/main" id="{42E3AF1D-0B71-4CAE-A1ED-A50280928D37}"/>
+              </a:ext>
+            </a:extLst>
+          </p:cNvPr>
+          <p:cNvCxnSpPr>
+            <a:cxnSpLocks/>
+          </p:cNvCxnSpPr>
+          <p:nvPr/>
+        </p:nvCxnSpPr>
+        <p:spPr>
+          <a:xfrm>
+            <a:off x="2195736" y="3501008"/>
+            <a:ext cx="0" cy="720080"/>
+          </a:xfrm>
+          <a:prstGeom prst="line">
+            <a:avLst/>
+          </a:prstGeom>
+          <a:ln w="57150">
+            <a:solidFill>
+              <a:srgbClr val="FF0000"/>
+            </a:solidFill>
+            <a:headEnd type="none" w="med" len="med"/>
+            <a:tailEnd type="none" w="med" len="med"/>
+          </a:ln>
+        </p:spPr>
+        <p:style>
+          <a:lnRef idx="1">
+            <a:schemeClr val="accent1"/>
+          </a:lnRef>
+          <a:fillRef idx="0">
+            <a:schemeClr val="accent1"/>
+          </a:fillRef>
+          <a:effectRef idx="0">
+            <a:schemeClr val="accent1"/>
+          </a:effectRef>
+          <a:fontRef idx="minor">
+            <a:schemeClr val="tx1"/>
+          </a:fontRef>
+        </p:style>
+      </p:cxnSp>
+      <p:cxnSp>
+        <p:nvCxnSpPr>
+          <p:cNvPr id="36" name="直線コネクタ 35">
+            <a:extLst>
+              <a:ext uri="{FF2B5EF4-FFF2-40B4-BE49-F238E27FC236}">
+                <a16:creationId xmlns:a16="http://schemas.microsoft.com/office/drawing/2014/main" id="{060981E8-CD27-46B2-AD56-65026351621F}"/>
+              </a:ext>
+            </a:extLst>
+          </p:cNvPr>
+          <p:cNvCxnSpPr>
+            <a:cxnSpLocks/>
+          </p:cNvCxnSpPr>
+          <p:nvPr/>
+        </p:nvCxnSpPr>
+        <p:spPr>
+          <a:xfrm flipV="1">
+            <a:off x="755576" y="3501008"/>
+            <a:ext cx="0" cy="720080"/>
+          </a:xfrm>
+          <a:prstGeom prst="line">
+            <a:avLst/>
+          </a:prstGeom>
+          <a:ln w="57150">
+            <a:solidFill>
+              <a:srgbClr val="0070C0"/>
+            </a:solidFill>
+            <a:headEnd type="none" w="med" len="med"/>
+            <a:tailEnd type="none" w="med" len="med"/>
+          </a:ln>
+        </p:spPr>
+        <p:style>
+          <a:lnRef idx="1">
+            <a:schemeClr val="accent1"/>
+          </a:lnRef>
+          <a:fillRef idx="0">
+            <a:schemeClr val="accent1"/>
+          </a:fillRef>
+          <a:effectRef idx="0">
+            <a:schemeClr val="accent1"/>
+          </a:effectRef>
+          <a:fontRef idx="minor">
+            <a:schemeClr val="tx1"/>
+          </a:fontRef>
+        </p:style>
+      </p:cxnSp>
+      <p:sp>
+        <p:nvSpPr>
+          <p:cNvPr id="41" name="テキスト ボックス 40">
+            <a:extLst>
+              <a:ext uri="{FF2B5EF4-FFF2-40B4-BE49-F238E27FC236}">
+                <a16:creationId xmlns:a16="http://schemas.microsoft.com/office/drawing/2014/main" id="{7350958D-61E9-4E80-A13B-3C8494B0D16B}"/>
+              </a:ext>
+            </a:extLst>
+          </p:cNvPr>
+          <p:cNvSpPr txBox="1"/>
+          <p:nvPr/>
+        </p:nvSpPr>
+        <p:spPr>
+          <a:xfrm>
+            <a:off x="467544" y="1268760"/>
+            <a:ext cx="8496944" cy="1077218"/>
+          </a:xfrm>
+          <a:prstGeom prst="rect">
+            <a:avLst/>
+          </a:prstGeom>
+          <a:noFill/>
+        </p:spPr>
+        <p:txBody>
+          <a:bodyPr wrap="square" rtlCol="0">
+            <a:spAutoFit/>
+          </a:bodyPr>
+          <a:lstStyle/>
+          <a:p>
+            <a:r>
+              <a:rPr lang="ja-JP" altLang="en-US" sz="3200"/>
+              <a:t>格子の上の全てのボンドについてエネルギーの和を取り、この系の全エネルギーとする</a:t>
+            </a:r>
+            <a:endParaRPr kumimoji="1" lang="ja-JP" altLang="en-US" sz="3200"/>
+          </a:p>
+        </p:txBody>
+      </p:sp>
+      <mc:AlternateContent xmlns:mc="http://schemas.openxmlformats.org/markup-compatibility/2006">
+        <mc:Choice xmlns:a14="http://schemas.microsoft.com/office/drawing/2010/main" Requires="a14">
+          <p:sp>
+            <p:nvSpPr>
+              <p:cNvPr id="42" name="テキスト ボックス 41">
+                <a:extLst>
+                  <a:ext uri="{FF2B5EF4-FFF2-40B4-BE49-F238E27FC236}">
+                    <a16:creationId xmlns:a16="http://schemas.microsoft.com/office/drawing/2014/main" id="{04D15930-08F1-4C63-A311-F53D261FD0FA}"/>
+                  </a:ext>
+                </a:extLst>
+              </p:cNvPr>
+              <p:cNvSpPr txBox="1"/>
+              <p:nvPr/>
+            </p:nvSpPr>
+            <p:spPr>
+              <a:xfrm>
+                <a:off x="323528" y="5157192"/>
+                <a:ext cx="8496944" cy="1384995"/>
+              </a:xfrm>
+              <a:prstGeom prst="rect">
+                <a:avLst/>
+              </a:prstGeom>
+              <a:noFill/>
+            </p:spPr>
+            <p:txBody>
+              <a:bodyPr wrap="square" rtlCol="0">
+                <a:spAutoFit/>
+              </a:bodyPr>
+              <a:lstStyle/>
+              <a:p>
+                <a:r>
+                  <a:rPr lang="ja-JP" altLang="en-US" sz="2800"/>
+                  <a:t>このような模型をイジング模型</a:t>
+                </a:r>
+                <a:r>
+                  <a:rPr lang="en-US" altLang="ja-JP" sz="2800"/>
+                  <a:t>(Ising Model)</a:t>
+                </a:r>
+                <a:r>
+                  <a:rPr lang="ja-JP" altLang="en-US" sz="2800"/>
+                  <a:t>と呼び、磁性体の簡単なモデルに</a:t>
+                </a:r>
+                <a:r>
+                  <a:rPr kumimoji="1" lang="ja-JP" altLang="en-US" sz="2800"/>
+                  <a:t>なっている</a:t>
+                </a:r>
+                <a:endParaRPr kumimoji="1" lang="en-US" altLang="ja-JP" sz="2800"/>
+              </a:p>
+              <a:p>
+                <a:r>
+                  <a:rPr kumimoji="1" lang="ja-JP" altLang="en-US" sz="2800"/>
+                  <a:t>以下、強磁性 </a:t>
+                </a:r>
+                <a:r>
+                  <a:rPr kumimoji="1" lang="en-US" altLang="ja-JP" sz="2800"/>
+                  <a:t>(</a:t>
+                </a:r>
+                <a14:m>
+                  <m:oMath xmlns:m="http://schemas.openxmlformats.org/officeDocument/2006/math">
+                    <m:r>
+                      <a:rPr kumimoji="1" lang="en-US" altLang="ja-JP" sz="2800" b="0" i="1" smtClean="0">
+                        <a:latin typeface="Cambria Math" panose="02040503050406030204" pitchFamily="18" charset="0"/>
+                      </a:rPr>
+                      <m:t>𝐽</m:t>
+                    </m:r>
+                    <m:r>
+                      <a:rPr kumimoji="1" lang="en-US" altLang="ja-JP" sz="2800" b="0" i="1" smtClean="0">
+                        <a:latin typeface="Cambria Math" panose="02040503050406030204" pitchFamily="18" charset="0"/>
+                      </a:rPr>
+                      <m:t>&gt;0</m:t>
+                    </m:r>
+                  </m:oMath>
+                </a14:m>
+                <a:r>
+                  <a:rPr kumimoji="1" lang="en-US" altLang="ja-JP" sz="2800"/>
+                  <a:t>)</a:t>
+                </a:r>
+                <a:r>
+                  <a:rPr lang="ja-JP" altLang="en-US" sz="2800"/>
+                  <a:t>の場合を考える</a:t>
+                </a:r>
+                <a:endParaRPr lang="en-US" altLang="ja-JP" sz="2800"/>
+              </a:p>
+            </p:txBody>
+          </p:sp>
+        </mc:Choice>
+        <mc:Fallback>
+          <p:sp>
+            <p:nvSpPr>
+              <p:cNvPr id="42" name="テキスト ボックス 41">
+                <a:extLst>
+                  <a:ext uri="{FF2B5EF4-FFF2-40B4-BE49-F238E27FC236}">
+                    <a16:creationId xmlns:a16="http://schemas.microsoft.com/office/drawing/2014/main" id="{04D15930-08F1-4C63-A311-F53D261FD0FA}"/>
+                  </a:ext>
+                </a:extLst>
+              </p:cNvPr>
+              <p:cNvSpPr txBox="1">
+                <a:spLocks noRot="1" noChangeAspect="1" noMove="1" noResize="1" noEditPoints="1" noAdjustHandles="1" noChangeArrowheads="1" noChangeShapeType="1" noTextEdit="1"/>
+              </p:cNvSpPr>
+              <p:nvPr/>
+            </p:nvSpPr>
+            <p:spPr>
+              <a:xfrm>
+                <a:off x="323528" y="5157192"/>
+                <a:ext cx="8496944" cy="1384995"/>
+              </a:xfrm>
+              <a:prstGeom prst="rect">
+                <a:avLst/>
+              </a:prstGeom>
+              <a:blipFill>
+                <a:blip r:embed="rId2"/>
+                <a:stretch>
+                  <a:fillRect l="-1435" t="-6167" r="-3228" b="-11454"/>
+                </a:stretch>
+              </a:blipFill>
+            </p:spPr>
+            <p:txBody>
+              <a:bodyPr/>
+              <a:lstStyle/>
+              <a:p>
+                <a:r>
+                  <a:rPr lang="ja-JP" altLang="en-US">
+                    <a:noFill/>
+                  </a:rPr>
+                  <a:t> </a:t>
+                </a:r>
+              </a:p>
+            </p:txBody>
+          </p:sp>
+        </mc:Fallback>
+      </mc:AlternateContent>
+      <mc:AlternateContent xmlns:mc="http://schemas.openxmlformats.org/markup-compatibility/2006">
+        <mc:Choice xmlns:a14="http://schemas.microsoft.com/office/drawing/2010/main" Requires="a14">
+          <p:sp>
+            <p:nvSpPr>
+              <p:cNvPr id="44" name="テキスト ボックス 43">
+                <a:extLst>
+                  <a:ext uri="{FF2B5EF4-FFF2-40B4-BE49-F238E27FC236}">
+                    <a16:creationId xmlns:a16="http://schemas.microsoft.com/office/drawing/2014/main" id="{609EF9F0-BB65-49B0-B8BA-AB31A101768C}"/>
+                  </a:ext>
+                </a:extLst>
+              </p:cNvPr>
+              <p:cNvSpPr txBox="1"/>
+              <p:nvPr/>
+            </p:nvSpPr>
+            <p:spPr>
+              <a:xfrm>
+                <a:off x="3131840" y="3429000"/>
+                <a:ext cx="4572000" cy="769441"/>
+              </a:xfrm>
+              <a:prstGeom prst="rect">
+                <a:avLst/>
+              </a:prstGeom>
+              <a:noFill/>
+            </p:spPr>
+            <p:txBody>
+              <a:bodyPr wrap="square">
+                <a:spAutoFit/>
+              </a:bodyPr>
+              <a:lstStyle/>
+              <a:p>
+                <a:pPr/>
+                <a14:m>
+                  <m:oMathPara xmlns:m="http://schemas.openxmlformats.org/officeDocument/2006/math">
+                    <m:oMathParaPr>
+                      <m:jc m:val="centerGroup"/>
+                    </m:oMathParaPr>
+                    <m:oMath xmlns:m="http://schemas.openxmlformats.org/officeDocument/2006/math">
+                      <m:r>
+                        <a:rPr kumimoji="1" lang="en-US" altLang="ja-JP" sz="4400" b="0" i="1" smtClean="0">
+                          <a:latin typeface="Cambria Math" panose="02040503050406030204" pitchFamily="18" charset="0"/>
+                        </a:rPr>
+                        <m:t>𝐸</m:t>
+                      </m:r>
+                      <m:r>
+                        <a:rPr kumimoji="1" lang="en-US" altLang="ja-JP" sz="4400" b="0" i="1" smtClean="0">
+                          <a:latin typeface="Cambria Math" panose="02040503050406030204" pitchFamily="18" charset="0"/>
+                        </a:rPr>
+                        <m:t>=−2</m:t>
+                      </m:r>
+                      <m:r>
+                        <a:rPr kumimoji="1" lang="en-US" altLang="ja-JP" sz="4400" b="0" i="1" smtClean="0">
+                          <a:latin typeface="Cambria Math" panose="02040503050406030204" pitchFamily="18" charset="0"/>
+                        </a:rPr>
+                        <m:t>𝐽</m:t>
+                      </m:r>
+                      <m:r>
+                        <a:rPr kumimoji="1" lang="en-US" altLang="ja-JP" sz="4400" b="0" i="1" smtClean="0">
+                          <a:latin typeface="Cambria Math" panose="02040503050406030204" pitchFamily="18" charset="0"/>
+                        </a:rPr>
+                        <m:t>+2</m:t>
+                      </m:r>
+                      <m:r>
+                        <a:rPr kumimoji="1" lang="en-US" altLang="ja-JP" sz="4400" b="0" i="1" smtClean="0">
+                          <a:latin typeface="Cambria Math" panose="02040503050406030204" pitchFamily="18" charset="0"/>
+                        </a:rPr>
+                        <m:t>𝐽</m:t>
+                      </m:r>
+                      <m:r>
+                        <a:rPr kumimoji="1" lang="en-US" altLang="ja-JP" sz="4400" b="0" i="1" smtClean="0">
+                          <a:latin typeface="Cambria Math" panose="02040503050406030204" pitchFamily="18" charset="0"/>
+                        </a:rPr>
+                        <m:t>=0</m:t>
+                      </m:r>
+                    </m:oMath>
+                  </m:oMathPara>
+                </a14:m>
+                <a:endParaRPr lang="ja-JP" altLang="en-US" sz="4400"/>
+              </a:p>
+            </p:txBody>
+          </p:sp>
+        </mc:Choice>
+        <mc:Fallback>
+          <p:sp>
+            <p:nvSpPr>
+              <p:cNvPr id="44" name="テキスト ボックス 43">
+                <a:extLst>
+                  <a:ext uri="{FF2B5EF4-FFF2-40B4-BE49-F238E27FC236}">
+                    <a16:creationId xmlns:a16="http://schemas.microsoft.com/office/drawing/2014/main" id="{609EF9F0-BB65-49B0-B8BA-AB31A101768C}"/>
+                  </a:ext>
+                </a:extLst>
+              </p:cNvPr>
+              <p:cNvSpPr txBox="1">
+                <a:spLocks noRot="1" noChangeAspect="1" noMove="1" noResize="1" noEditPoints="1" noAdjustHandles="1" noChangeArrowheads="1" noChangeShapeType="1" noTextEdit="1"/>
+              </p:cNvSpPr>
+              <p:nvPr/>
+            </p:nvSpPr>
+            <p:spPr>
+              <a:xfrm>
+                <a:off x="3131840" y="3429000"/>
+                <a:ext cx="4572000" cy="769441"/>
+              </a:xfrm>
+              <a:prstGeom prst="rect">
+                <a:avLst/>
+              </a:prstGeom>
+              <a:blipFill>
+                <a:blip r:embed="rId3"/>
+                <a:stretch>
+                  <a:fillRect/>
+                </a:stretch>
+              </a:blipFill>
+            </p:spPr>
+            <p:txBody>
+              <a:bodyPr/>
+              <a:lstStyle/>
+              <a:p>
+                <a:r>
+                  <a:rPr lang="ja-JP" altLang="en-US">
+                    <a:noFill/>
+                  </a:rPr>
+                  <a:t> </a:t>
+                </a:r>
+              </a:p>
+            </p:txBody>
+          </p:sp>
+        </mc:Fallback>
+      </mc:AlternateContent>
+    </p:spTree>
+    <p:extLst>
+      <p:ext uri="{BB962C8B-B14F-4D97-AF65-F5344CB8AC3E}">
+        <p14:creationId xmlns:p14="http://schemas.microsoft.com/office/powerpoint/2010/main" val="2037779987"/>
+      </p:ext>
+    </p:extLst>
+  </p:cSld>
+  <p:clrMapOvr>
+    <a:masterClrMapping/>
+  </p:clrMapOvr>
+</p:sld>
+</file>
+
+<file path=ppt/slides/slide5.xml><?xml version="1.0" encoding="utf-8"?>
+<p:sld xmlns:a="http://schemas.openxmlformats.org/drawingml/2006/main" xmlns:r="http://schemas.openxmlformats.org/officeDocument/2006/relationships" xmlns:p="http://schemas.openxmlformats.org/presentationml/2006/main">
+  <p:cSld>
+    <p:spTree>
+      <p:nvGrpSpPr>
+        <p:cNvPr id="1" name=""/>
+        <p:cNvGrpSpPr/>
+        <p:nvPr/>
+      </p:nvGrpSpPr>
+      <p:grpSpPr>
+        <a:xfrm>
+          <a:off x="0" y="0"/>
+          <a:ext cx="0" cy="0"/>
+          <a:chOff x="0" y="0"/>
+          <a:chExt cx="0" cy="0"/>
+        </a:xfrm>
+      </p:grpSpPr>
+      <p:sp>
+        <p:nvSpPr>
+          <p:cNvPr id="2" name="テキスト プレースホルダー 1">
+            <a:extLst>
+              <a:ext uri="{FF2B5EF4-FFF2-40B4-BE49-F238E27FC236}">
+                <a16:creationId xmlns:a16="http://schemas.microsoft.com/office/drawing/2014/main" id="{91F8E667-E2D5-498C-A363-FD43A1264A6F}"/>
+              </a:ext>
+            </a:extLst>
+          </p:cNvPr>
+          <p:cNvSpPr>
+            <a:spLocks noGrp="1"/>
+          </p:cNvSpPr>
+          <p:nvPr>
+            <p:ph type="body" sz="quarter" idx="10"/>
+          </p:nvPr>
+        </p:nvSpPr>
+        <p:spPr/>
+        <p:txBody>
+          <a:bodyPr/>
+          <a:lstStyle/>
+          <a:p>
+            <a:r>
+              <a:rPr kumimoji="1" lang="ja-JP" altLang="en-US"/>
+              <a:t>イジング模型</a:t>
+            </a:r>
+          </a:p>
+        </p:txBody>
+      </p:sp>
+      <mc:AlternateContent xmlns:mc="http://schemas.openxmlformats.org/markup-compatibility/2006">
+        <mc:Choice xmlns:a14="http://schemas.microsoft.com/office/drawing/2010/main" Requires="a14">
+          <p:sp>
+            <p:nvSpPr>
+              <p:cNvPr id="4" name="テキスト ボックス 3">
+                <a:extLst>
+                  <a:ext uri="{FF2B5EF4-FFF2-40B4-BE49-F238E27FC236}">
+                    <a16:creationId xmlns:a16="http://schemas.microsoft.com/office/drawing/2014/main" id="{1D284D04-A598-494D-84E2-6A2AD907A469}"/>
+                  </a:ext>
+                </a:extLst>
+              </p:cNvPr>
+              <p:cNvSpPr txBox="1"/>
+              <p:nvPr/>
+            </p:nvSpPr>
+            <p:spPr>
+              <a:xfrm>
+                <a:off x="467544" y="1052736"/>
+                <a:ext cx="7822270" cy="1077218"/>
+              </a:xfrm>
+              <a:prstGeom prst="rect">
+                <a:avLst/>
+              </a:prstGeom>
+              <a:noFill/>
+            </p:spPr>
+            <p:txBody>
+              <a:bodyPr wrap="none" rtlCol="0">
+                <a:spAutoFit/>
+              </a:bodyPr>
+              <a:lstStyle/>
+              <a:p>
+                <a14:m>
+                  <m:oMath xmlns:m="http://schemas.openxmlformats.org/officeDocument/2006/math">
+                    <m:r>
+                      <a:rPr kumimoji="1" lang="en-US" altLang="ja-JP" sz="3200" b="0" i="1" smtClean="0">
+                        <a:latin typeface="Cambria Math" panose="02040503050406030204" pitchFamily="18" charset="0"/>
+                      </a:rPr>
+                      <m:t>𝑖</m:t>
+                    </m:r>
+                  </m:oMath>
+                </a14:m>
+                <a:r>
+                  <a:rPr kumimoji="1" lang="ja-JP" altLang="en-US" sz="3200"/>
+                  <a:t>番目のスピンの状態を</a:t>
+                </a:r>
+                <a14:m>
+                  <m:oMath xmlns:m="http://schemas.openxmlformats.org/officeDocument/2006/math">
+                    <m:sSub>
+                      <m:sSubPr>
+                        <m:ctrlPr>
+                          <a:rPr kumimoji="1" lang="en-US" altLang="ja-JP" sz="3200" b="0" i="1" smtClean="0">
+                            <a:latin typeface="Cambria Math" panose="02040503050406030204" pitchFamily="18" charset="0"/>
+                          </a:rPr>
+                        </m:ctrlPr>
+                      </m:sSubPr>
+                      <m:e>
+                        <m:r>
+                          <a:rPr kumimoji="1" lang="en-US" altLang="ja-JP" sz="3200" b="0" i="1" smtClean="0">
+                            <a:latin typeface="Cambria Math" panose="02040503050406030204" pitchFamily="18" charset="0"/>
+                          </a:rPr>
+                          <m:t>𝜎</m:t>
+                        </m:r>
+                      </m:e>
+                      <m:sub>
+                        <m:r>
+                          <a:rPr kumimoji="1" lang="en-US" altLang="ja-JP" sz="3200" b="0" i="1" smtClean="0">
+                            <a:latin typeface="Cambria Math" panose="02040503050406030204" pitchFamily="18" charset="0"/>
+                          </a:rPr>
+                          <m:t>𝑖</m:t>
+                        </m:r>
+                      </m:sub>
+                    </m:sSub>
+                  </m:oMath>
+                </a14:m>
+                <a:r>
+                  <a:rPr kumimoji="1" lang="ja-JP" altLang="en-US" sz="3200"/>
+                  <a:t>とする</a:t>
+                </a:r>
+                <a:endParaRPr kumimoji="1" lang="en-US" altLang="ja-JP" sz="3200"/>
+              </a:p>
+              <a:p>
+                <a14:m>
+                  <m:oMath xmlns:m="http://schemas.openxmlformats.org/officeDocument/2006/math">
+                    <m:sSub>
+                      <m:sSubPr>
+                        <m:ctrlPr>
+                          <a:rPr kumimoji="1" lang="en-US" altLang="ja-JP" sz="3200" b="0" i="1" smtClean="0">
+                            <a:latin typeface="Cambria Math" panose="02040503050406030204" pitchFamily="18" charset="0"/>
+                          </a:rPr>
+                        </m:ctrlPr>
+                      </m:sSubPr>
+                      <m:e>
+                        <m:r>
+                          <a:rPr kumimoji="1" lang="en-US" altLang="ja-JP" sz="3200" b="0" i="1" smtClean="0">
+                            <a:latin typeface="Cambria Math" panose="02040503050406030204" pitchFamily="18" charset="0"/>
+                          </a:rPr>
+                          <m:t>𝜎</m:t>
+                        </m:r>
+                      </m:e>
+                      <m:sub>
+                        <m:r>
+                          <a:rPr kumimoji="1" lang="en-US" altLang="ja-JP" sz="3200" b="0" i="1" smtClean="0">
+                            <a:latin typeface="Cambria Math" panose="02040503050406030204" pitchFamily="18" charset="0"/>
+                          </a:rPr>
+                          <m:t>𝑖</m:t>
+                        </m:r>
+                      </m:sub>
+                    </m:sSub>
+                  </m:oMath>
+                </a14:m>
+                <a:r>
+                  <a:rPr kumimoji="1" lang="ja-JP" altLang="en-US" sz="3200"/>
+                  <a:t>の値は</a:t>
+                </a:r>
+                <a:r>
+                  <a:rPr kumimoji="1" lang="en-US" altLang="ja-JP" sz="3200"/>
+                  <a:t>1(</a:t>
+                </a:r>
+                <a:r>
+                  <a:rPr kumimoji="1" lang="ja-JP" altLang="en-US" sz="3200"/>
+                  <a:t>上向き</a:t>
+                </a:r>
+                <a:r>
+                  <a:rPr kumimoji="1" lang="en-US" altLang="ja-JP" sz="3200"/>
+                  <a:t>)</a:t>
+                </a:r>
+                <a:r>
+                  <a:rPr kumimoji="1" lang="ja-JP" altLang="en-US" sz="3200"/>
+                  <a:t>か</a:t>
+                </a:r>
+                <a:r>
+                  <a:rPr kumimoji="1" lang="en-US" altLang="ja-JP" sz="3200"/>
+                  <a:t>-1(</a:t>
+                </a:r>
+                <a:r>
+                  <a:rPr kumimoji="1" lang="ja-JP" altLang="en-US" sz="3200"/>
+                  <a:t>下向き</a:t>
+                </a:r>
+                <a:r>
+                  <a:rPr kumimoji="1" lang="en-US" altLang="ja-JP" sz="3200"/>
+                  <a:t>)</a:t>
+                </a:r>
+                <a:r>
+                  <a:rPr kumimoji="1" lang="ja-JP" altLang="en-US" sz="3200"/>
+                  <a:t>のいずれか</a:t>
+                </a:r>
+                <a:endParaRPr kumimoji="1" lang="en-US" altLang="ja-JP" sz="3200"/>
+              </a:p>
+            </p:txBody>
+          </p:sp>
+        </mc:Choice>
+        <mc:Fallback>
+          <p:sp>
+            <p:nvSpPr>
+              <p:cNvPr id="4" name="テキスト ボックス 3">
+                <a:extLst>
+                  <a:ext uri="{FF2B5EF4-FFF2-40B4-BE49-F238E27FC236}">
+                    <a16:creationId xmlns:a16="http://schemas.microsoft.com/office/drawing/2014/main" id="{1D284D04-A598-494D-84E2-6A2AD907A469}"/>
+                  </a:ext>
+                </a:extLst>
+              </p:cNvPr>
+              <p:cNvSpPr txBox="1">
+                <a:spLocks noRot="1" noChangeAspect="1" noMove="1" noResize="1" noEditPoints="1" noAdjustHandles="1" noChangeArrowheads="1" noChangeShapeType="1" noTextEdit="1"/>
+              </p:cNvSpPr>
+              <p:nvPr/>
+            </p:nvSpPr>
+            <p:spPr>
+              <a:xfrm>
+                <a:off x="467544" y="1052736"/>
+                <a:ext cx="7822270" cy="1077218"/>
+              </a:xfrm>
+              <a:prstGeom prst="rect">
+                <a:avLst/>
+              </a:prstGeom>
+              <a:blipFill>
+                <a:blip r:embed="rId2"/>
+                <a:stretch>
+                  <a:fillRect l="-234" t="-9091" r="-1247" b="-18750"/>
+                </a:stretch>
+              </a:blipFill>
+            </p:spPr>
+            <p:txBody>
+              <a:bodyPr/>
+              <a:lstStyle/>
+              <a:p>
+                <a:r>
+                  <a:rPr lang="ja-JP" altLang="en-US">
+                    <a:noFill/>
+                  </a:rPr>
+                  <a:t> </a:t>
+                </a:r>
+              </a:p>
+            </p:txBody>
+          </p:sp>
+        </mc:Fallback>
+      </mc:AlternateContent>
+      <p:grpSp>
+        <p:nvGrpSpPr>
+          <p:cNvPr id="5" name="グループ化 4">
+            <a:extLst>
+              <a:ext uri="{FF2B5EF4-FFF2-40B4-BE49-F238E27FC236}">
+                <a16:creationId xmlns:a16="http://schemas.microsoft.com/office/drawing/2014/main" id="{886EE4A2-EB0D-477A-BF29-CF3BE3AC81E8}"/>
+              </a:ext>
+            </a:extLst>
+          </p:cNvPr>
+          <p:cNvGrpSpPr/>
+          <p:nvPr/>
+        </p:nvGrpSpPr>
+        <p:grpSpPr>
+          <a:xfrm rot="10800000">
+            <a:off x="1259632" y="3212976"/>
+            <a:ext cx="720080" cy="720080"/>
+            <a:chOff x="792000" y="2529000"/>
+            <a:chExt cx="360000" cy="360000"/>
+          </a:xfrm>
+        </p:grpSpPr>
+        <p:sp>
+          <p:nvSpPr>
+            <p:cNvPr id="6" name="楕円 5">
+              <a:extLst>
+                <a:ext uri="{FF2B5EF4-FFF2-40B4-BE49-F238E27FC236}">
+                  <a16:creationId xmlns:a16="http://schemas.microsoft.com/office/drawing/2014/main" id="{D612D26C-3C5B-4301-A313-66AA8DA2C4DF}"/>
+                </a:ext>
+              </a:extLst>
+            </p:cNvPr>
+            <p:cNvSpPr/>
+            <p:nvPr/>
+          </p:nvSpPr>
+          <p:spPr>
+            <a:xfrm>
+              <a:off x="792000" y="2529000"/>
+              <a:ext cx="360000" cy="360000"/>
+            </a:xfrm>
+            <a:prstGeom prst="ellipse">
+              <a:avLst/>
+            </a:prstGeom>
+            <a:noFill/>
+            <a:ln>
+              <a:solidFill>
+                <a:schemeClr val="tx1"/>
+              </a:solidFill>
+            </a:ln>
+          </p:spPr>
+          <p:style>
+            <a:lnRef idx="2">
+              <a:schemeClr val="accent1">
+                <a:shade val="50000"/>
+              </a:schemeClr>
+            </a:lnRef>
+            <a:fillRef idx="1">
+              <a:schemeClr val="accent1"/>
+            </a:fillRef>
+            <a:effectRef idx="0">
+              <a:schemeClr val="accent1"/>
+            </a:effectRef>
+            <a:fontRef idx="minor">
+              <a:schemeClr val="lt1"/>
+            </a:fontRef>
+          </p:style>
+          <p:txBody>
+            <a:bodyPr rtlCol="0" anchor="ctr"/>
+            <a:lstStyle/>
+            <a:p>
+              <a:pPr algn="ctr"/>
+              <a:endParaRPr kumimoji="1" lang="ja-JP" altLang="en-US" dirty="0"/>
+            </a:p>
+          </p:txBody>
+        </p:sp>
+        <p:sp>
+          <p:nvSpPr>
+            <p:cNvPr id="7" name="矢印: 下 6">
+              <a:extLst>
+                <a:ext uri="{FF2B5EF4-FFF2-40B4-BE49-F238E27FC236}">
+                  <a16:creationId xmlns:a16="http://schemas.microsoft.com/office/drawing/2014/main" id="{75288971-71CF-4471-B717-BB8A3FC4DB90}"/>
+                </a:ext>
+              </a:extLst>
+            </p:cNvPr>
+            <p:cNvSpPr/>
+            <p:nvPr/>
+          </p:nvSpPr>
+          <p:spPr>
+            <a:xfrm>
+              <a:off x="882000" y="2574000"/>
+              <a:ext cx="180000" cy="270000"/>
+            </a:xfrm>
+            <a:prstGeom prst="downArrow">
+              <a:avLst/>
+            </a:prstGeom>
+            <a:solidFill>
+              <a:srgbClr val="FF0000"/>
+            </a:solidFill>
+            <a:ln>
+              <a:solidFill>
+                <a:schemeClr val="tx1"/>
+              </a:solidFill>
+            </a:ln>
+          </p:spPr>
+          <p:style>
+            <a:lnRef idx="2">
+              <a:schemeClr val="accent1">
+                <a:shade val="50000"/>
+              </a:schemeClr>
+            </a:lnRef>
+            <a:fillRef idx="1">
+              <a:schemeClr val="accent1"/>
+            </a:fillRef>
+            <a:effectRef idx="0">
+              <a:schemeClr val="accent1"/>
+            </a:effectRef>
+            <a:fontRef idx="minor">
+              <a:schemeClr val="lt1"/>
+            </a:fontRef>
+          </p:style>
+          <p:txBody>
+            <a:bodyPr rtlCol="0" anchor="ctr"/>
+            <a:lstStyle/>
+            <a:p>
+              <a:pPr algn="ctr"/>
+              <a:endParaRPr kumimoji="1" lang="ja-JP" altLang="en-US"/>
+            </a:p>
+          </p:txBody>
+        </p:sp>
+      </p:grpSp>
+      <p:cxnSp>
+        <p:nvCxnSpPr>
+          <p:cNvPr id="8" name="直線コネクタ 7">
+            <a:extLst>
+              <a:ext uri="{FF2B5EF4-FFF2-40B4-BE49-F238E27FC236}">
+                <a16:creationId xmlns:a16="http://schemas.microsoft.com/office/drawing/2014/main" id="{603957F3-EC0F-430D-9458-9EC4EE96CEF0}"/>
+              </a:ext>
+            </a:extLst>
+          </p:cNvPr>
+          <p:cNvCxnSpPr>
+            <a:cxnSpLocks/>
+          </p:cNvCxnSpPr>
+          <p:nvPr/>
+        </p:nvCxnSpPr>
+        <p:spPr>
+          <a:xfrm>
+            <a:off x="1979712" y="3573016"/>
+            <a:ext cx="720080" cy="0"/>
+          </a:xfrm>
+          <a:prstGeom prst="line">
+            <a:avLst/>
+          </a:prstGeom>
+          <a:ln w="57150">
+            <a:solidFill>
+              <a:srgbClr val="0070C0"/>
+            </a:solidFill>
+            <a:headEnd type="none" w="med" len="med"/>
+            <a:tailEnd type="none" w="med" len="med"/>
+          </a:ln>
+        </p:spPr>
+        <p:style>
+          <a:lnRef idx="1">
+            <a:schemeClr val="accent1"/>
+          </a:lnRef>
+          <a:fillRef idx="0">
+            <a:schemeClr val="accent1"/>
+          </a:fillRef>
+          <a:effectRef idx="0">
+            <a:schemeClr val="accent1"/>
+          </a:effectRef>
+          <a:fontRef idx="minor">
+            <a:schemeClr val="tx1"/>
+          </a:fontRef>
+        </p:style>
+      </p:cxnSp>
+      <p:grpSp>
+        <p:nvGrpSpPr>
+          <p:cNvPr id="9" name="グループ化 8">
+            <a:extLst>
+              <a:ext uri="{FF2B5EF4-FFF2-40B4-BE49-F238E27FC236}">
+                <a16:creationId xmlns:a16="http://schemas.microsoft.com/office/drawing/2014/main" id="{5B24551B-BB8F-4E07-A2D1-A98E00A11220}"/>
+              </a:ext>
+            </a:extLst>
+          </p:cNvPr>
+          <p:cNvGrpSpPr/>
+          <p:nvPr/>
+        </p:nvGrpSpPr>
+        <p:grpSpPr>
+          <a:xfrm rot="10800000">
+            <a:off x="2699792" y="3212976"/>
+            <a:ext cx="720080" cy="720080"/>
+            <a:chOff x="792000" y="2529000"/>
+            <a:chExt cx="360000" cy="360000"/>
+          </a:xfrm>
+        </p:grpSpPr>
+        <p:sp>
+          <p:nvSpPr>
+            <p:cNvPr id="10" name="楕円 9">
+              <a:extLst>
+                <a:ext uri="{FF2B5EF4-FFF2-40B4-BE49-F238E27FC236}">
+                  <a16:creationId xmlns:a16="http://schemas.microsoft.com/office/drawing/2014/main" id="{8B1060EA-9D9C-43D5-B7FD-8EBB31138228}"/>
+                </a:ext>
+              </a:extLst>
+            </p:cNvPr>
+            <p:cNvSpPr/>
+            <p:nvPr/>
+          </p:nvSpPr>
+          <p:spPr>
+            <a:xfrm>
+              <a:off x="792000" y="2529000"/>
+              <a:ext cx="360000" cy="360000"/>
+            </a:xfrm>
+            <a:prstGeom prst="ellipse">
+              <a:avLst/>
+            </a:prstGeom>
+            <a:noFill/>
+            <a:ln>
+              <a:solidFill>
+                <a:schemeClr val="tx1"/>
+              </a:solidFill>
+            </a:ln>
+          </p:spPr>
+          <p:style>
+            <a:lnRef idx="2">
+              <a:schemeClr val="accent1">
+                <a:shade val="50000"/>
+              </a:schemeClr>
+            </a:lnRef>
+            <a:fillRef idx="1">
+              <a:schemeClr val="accent1"/>
+            </a:fillRef>
+            <a:effectRef idx="0">
+              <a:schemeClr val="accent1"/>
+            </a:effectRef>
+            <a:fontRef idx="minor">
+              <a:schemeClr val="lt1"/>
+            </a:fontRef>
+          </p:style>
+          <p:txBody>
+            <a:bodyPr rtlCol="0" anchor="ctr"/>
+            <a:lstStyle/>
+            <a:p>
+              <a:pPr algn="ctr"/>
+              <a:endParaRPr kumimoji="1" lang="ja-JP" altLang="en-US" dirty="0"/>
+            </a:p>
+          </p:txBody>
+        </p:sp>
+        <p:sp>
+          <p:nvSpPr>
+            <p:cNvPr id="11" name="矢印: 下 10">
+              <a:extLst>
+                <a:ext uri="{FF2B5EF4-FFF2-40B4-BE49-F238E27FC236}">
+                  <a16:creationId xmlns:a16="http://schemas.microsoft.com/office/drawing/2014/main" id="{09E7E268-9C1A-44F1-AD5A-2683F29EE2F9}"/>
+                </a:ext>
+              </a:extLst>
+            </p:cNvPr>
+            <p:cNvSpPr/>
+            <p:nvPr/>
+          </p:nvSpPr>
+          <p:spPr>
+            <a:xfrm>
+              <a:off x="882000" y="2574000"/>
+              <a:ext cx="180000" cy="270000"/>
+            </a:xfrm>
+            <a:prstGeom prst="downArrow">
+              <a:avLst/>
+            </a:prstGeom>
+            <a:solidFill>
+              <a:srgbClr val="FF0000"/>
+            </a:solidFill>
+            <a:ln>
+              <a:solidFill>
+                <a:schemeClr val="tx1"/>
+              </a:solidFill>
+            </a:ln>
+          </p:spPr>
+          <p:style>
+            <a:lnRef idx="2">
+              <a:schemeClr val="accent1">
+                <a:shade val="50000"/>
+              </a:schemeClr>
+            </a:lnRef>
+            <a:fillRef idx="1">
+              <a:schemeClr val="accent1"/>
+            </a:fillRef>
+            <a:effectRef idx="0">
+              <a:schemeClr val="accent1"/>
+            </a:effectRef>
+            <a:fontRef idx="minor">
+              <a:schemeClr val="lt1"/>
+            </a:fontRef>
+          </p:style>
+          <p:txBody>
+            <a:bodyPr rtlCol="0" anchor="ctr"/>
+            <a:lstStyle/>
+            <a:p>
+              <a:pPr algn="ctr"/>
+              <a:endParaRPr kumimoji="1" lang="ja-JP" altLang="en-US"/>
+            </a:p>
+          </p:txBody>
+        </p:sp>
+      </p:grpSp>
+      <p:grpSp>
+        <p:nvGrpSpPr>
+          <p:cNvPr id="12" name="グループ化 11">
+            <a:extLst>
+              <a:ext uri="{FF2B5EF4-FFF2-40B4-BE49-F238E27FC236}">
+                <a16:creationId xmlns:a16="http://schemas.microsoft.com/office/drawing/2014/main" id="{568EE1A0-DB96-44A8-9378-A6641A28333E}"/>
+              </a:ext>
+            </a:extLst>
+          </p:cNvPr>
+          <p:cNvGrpSpPr/>
+          <p:nvPr/>
+        </p:nvGrpSpPr>
+        <p:grpSpPr>
+          <a:xfrm rot="10800000">
+            <a:off x="5292080" y="3153162"/>
+            <a:ext cx="720080" cy="720080"/>
+            <a:chOff x="792000" y="2529000"/>
+            <a:chExt cx="360000" cy="360000"/>
+          </a:xfrm>
+        </p:grpSpPr>
+        <p:sp>
+          <p:nvSpPr>
+            <p:cNvPr id="13" name="楕円 12">
+              <a:extLst>
+                <a:ext uri="{FF2B5EF4-FFF2-40B4-BE49-F238E27FC236}">
+                  <a16:creationId xmlns:a16="http://schemas.microsoft.com/office/drawing/2014/main" id="{06B00242-C32E-42C8-BB75-C2E7772E6235}"/>
+                </a:ext>
+              </a:extLst>
+            </p:cNvPr>
+            <p:cNvSpPr/>
+            <p:nvPr/>
+          </p:nvSpPr>
+          <p:spPr>
+            <a:xfrm>
+              <a:off x="792000" y="2529000"/>
+              <a:ext cx="360000" cy="360000"/>
+            </a:xfrm>
+            <a:prstGeom prst="ellipse">
+              <a:avLst/>
+            </a:prstGeom>
+            <a:noFill/>
+            <a:ln>
+              <a:solidFill>
+                <a:schemeClr val="tx1"/>
+              </a:solidFill>
+            </a:ln>
+          </p:spPr>
+          <p:style>
+            <a:lnRef idx="2">
+              <a:schemeClr val="accent1">
+                <a:shade val="50000"/>
+              </a:schemeClr>
+            </a:lnRef>
+            <a:fillRef idx="1">
+              <a:schemeClr val="accent1"/>
+            </a:fillRef>
+            <a:effectRef idx="0">
+              <a:schemeClr val="accent1"/>
+            </a:effectRef>
+            <a:fontRef idx="minor">
+              <a:schemeClr val="lt1"/>
+            </a:fontRef>
+          </p:style>
+          <p:txBody>
+            <a:bodyPr rtlCol="0" anchor="ctr"/>
+            <a:lstStyle/>
+            <a:p>
+              <a:pPr algn="ctr"/>
+              <a:endParaRPr kumimoji="1" lang="ja-JP" altLang="en-US" dirty="0"/>
+            </a:p>
+          </p:txBody>
+        </p:sp>
+        <p:sp>
+          <p:nvSpPr>
+            <p:cNvPr id="14" name="矢印: 下 13">
+              <a:extLst>
+                <a:ext uri="{FF2B5EF4-FFF2-40B4-BE49-F238E27FC236}">
+                  <a16:creationId xmlns:a16="http://schemas.microsoft.com/office/drawing/2014/main" id="{AFE6B85B-D0E9-4690-8A39-285EFA899177}"/>
+                </a:ext>
+              </a:extLst>
+            </p:cNvPr>
+            <p:cNvSpPr/>
+            <p:nvPr/>
+          </p:nvSpPr>
+          <p:spPr>
+            <a:xfrm>
+              <a:off x="882000" y="2574000"/>
+              <a:ext cx="180000" cy="270000"/>
+            </a:xfrm>
+            <a:prstGeom prst="downArrow">
+              <a:avLst/>
+            </a:prstGeom>
+            <a:solidFill>
+              <a:srgbClr val="FF0000"/>
+            </a:solidFill>
+            <a:ln>
+              <a:solidFill>
+                <a:schemeClr val="tx1"/>
+              </a:solidFill>
+            </a:ln>
+          </p:spPr>
+          <p:style>
+            <a:lnRef idx="2">
+              <a:schemeClr val="accent1">
+                <a:shade val="50000"/>
+              </a:schemeClr>
+            </a:lnRef>
+            <a:fillRef idx="1">
+              <a:schemeClr val="accent1"/>
+            </a:fillRef>
+            <a:effectRef idx="0">
+              <a:schemeClr val="accent1"/>
+            </a:effectRef>
+            <a:fontRef idx="minor">
+              <a:schemeClr val="lt1"/>
+            </a:fontRef>
+          </p:style>
+          <p:txBody>
+            <a:bodyPr rtlCol="0" anchor="ctr"/>
+            <a:lstStyle/>
+            <a:p>
+              <a:pPr algn="ctr"/>
+              <a:endParaRPr kumimoji="1" lang="ja-JP" altLang="en-US"/>
+            </a:p>
+          </p:txBody>
+        </p:sp>
+      </p:grpSp>
+      <p:cxnSp>
+        <p:nvCxnSpPr>
+          <p:cNvPr id="15" name="直線コネクタ 14">
+            <a:extLst>
+              <a:ext uri="{FF2B5EF4-FFF2-40B4-BE49-F238E27FC236}">
+                <a16:creationId xmlns:a16="http://schemas.microsoft.com/office/drawing/2014/main" id="{0499A60C-2FDC-4B2B-BFBB-EC3B02D24DA8}"/>
+              </a:ext>
+            </a:extLst>
+          </p:cNvPr>
+          <p:cNvCxnSpPr>
+            <a:cxnSpLocks/>
+            <a:stCxn id="13" idx="2"/>
+            <a:endCxn id="17" idx="2"/>
+          </p:cNvCxnSpPr>
+          <p:nvPr/>
+        </p:nvCxnSpPr>
+        <p:spPr>
+          <a:xfrm>
+            <a:off x="6012160" y="3513202"/>
+            <a:ext cx="720080" cy="0"/>
+          </a:xfrm>
+          <a:prstGeom prst="line">
+            <a:avLst/>
+          </a:prstGeom>
+          <a:ln w="57150">
+            <a:solidFill>
+              <a:srgbClr val="FF0000"/>
+            </a:solidFill>
+            <a:headEnd type="none" w="med" len="med"/>
+            <a:tailEnd type="none" w="med" len="med"/>
+          </a:ln>
+        </p:spPr>
+        <p:style>
+          <a:lnRef idx="1">
+            <a:schemeClr val="accent1"/>
+          </a:lnRef>
+          <a:fillRef idx="0">
+            <a:schemeClr val="accent1"/>
+          </a:fillRef>
+          <a:effectRef idx="0">
+            <a:schemeClr val="accent1"/>
+          </a:effectRef>
+          <a:fontRef idx="minor">
+            <a:schemeClr val="tx1"/>
+          </a:fontRef>
+        </p:style>
+      </p:cxnSp>
+      <p:grpSp>
+        <p:nvGrpSpPr>
+          <p:cNvPr id="16" name="グループ化 15">
+            <a:extLst>
+              <a:ext uri="{FF2B5EF4-FFF2-40B4-BE49-F238E27FC236}">
+                <a16:creationId xmlns:a16="http://schemas.microsoft.com/office/drawing/2014/main" id="{9A8E5826-5ED0-45D9-B67E-3663BEE7B2E4}"/>
+              </a:ext>
+            </a:extLst>
+          </p:cNvPr>
+          <p:cNvGrpSpPr/>
+          <p:nvPr/>
+        </p:nvGrpSpPr>
+        <p:grpSpPr>
+          <a:xfrm>
+            <a:off x="6732240" y="3153162"/>
+            <a:ext cx="720080" cy="720080"/>
+            <a:chOff x="792000" y="2529000"/>
+            <a:chExt cx="360000" cy="360000"/>
+          </a:xfrm>
+        </p:grpSpPr>
+        <p:sp>
+          <p:nvSpPr>
+            <p:cNvPr id="17" name="楕円 16">
+              <a:extLst>
+                <a:ext uri="{FF2B5EF4-FFF2-40B4-BE49-F238E27FC236}">
+                  <a16:creationId xmlns:a16="http://schemas.microsoft.com/office/drawing/2014/main" id="{AF74B4C4-ED93-4C93-8A73-7BEDBE309AB5}"/>
+                </a:ext>
+              </a:extLst>
+            </p:cNvPr>
+            <p:cNvSpPr/>
+            <p:nvPr/>
+          </p:nvSpPr>
+          <p:spPr>
+            <a:xfrm>
+              <a:off x="792000" y="2529000"/>
+              <a:ext cx="360000" cy="360000"/>
+            </a:xfrm>
+            <a:prstGeom prst="ellipse">
+              <a:avLst/>
+            </a:prstGeom>
+            <a:noFill/>
+            <a:ln>
+              <a:solidFill>
+                <a:schemeClr val="tx1"/>
+              </a:solidFill>
+            </a:ln>
+          </p:spPr>
+          <p:style>
+            <a:lnRef idx="2">
+              <a:schemeClr val="accent1">
+                <a:shade val="50000"/>
+              </a:schemeClr>
+            </a:lnRef>
+            <a:fillRef idx="1">
+              <a:schemeClr val="accent1"/>
+            </a:fillRef>
+            <a:effectRef idx="0">
+              <a:schemeClr val="accent1"/>
+            </a:effectRef>
+            <a:fontRef idx="minor">
+              <a:schemeClr val="lt1"/>
+            </a:fontRef>
+          </p:style>
+          <p:txBody>
+            <a:bodyPr rtlCol="0" anchor="ctr"/>
+            <a:lstStyle/>
+            <a:p>
+              <a:pPr algn="ctr"/>
+              <a:endParaRPr kumimoji="1" lang="ja-JP" altLang="en-US" dirty="0"/>
+            </a:p>
+          </p:txBody>
+        </p:sp>
+        <p:sp>
+          <p:nvSpPr>
+            <p:cNvPr id="18" name="矢印: 下 17">
+              <a:extLst>
+                <a:ext uri="{FF2B5EF4-FFF2-40B4-BE49-F238E27FC236}">
+                  <a16:creationId xmlns:a16="http://schemas.microsoft.com/office/drawing/2014/main" id="{D2F2EECF-A65C-4E15-83E2-7D3190750786}"/>
+                </a:ext>
+              </a:extLst>
+            </p:cNvPr>
+            <p:cNvSpPr/>
+            <p:nvPr/>
+          </p:nvSpPr>
+          <p:spPr>
+            <a:xfrm>
+              <a:off x="882000" y="2574000"/>
+              <a:ext cx="180000" cy="270000"/>
+            </a:xfrm>
+            <a:prstGeom prst="downArrow">
+              <a:avLst/>
+            </a:prstGeom>
+            <a:solidFill>
+              <a:srgbClr val="FF0000"/>
+            </a:solidFill>
+            <a:ln>
+              <a:solidFill>
+                <a:schemeClr val="tx1"/>
+              </a:solidFill>
+            </a:ln>
+          </p:spPr>
+          <p:style>
+            <a:lnRef idx="2">
+              <a:schemeClr val="accent1">
+                <a:shade val="50000"/>
+              </a:schemeClr>
+            </a:lnRef>
+            <a:fillRef idx="1">
+              <a:schemeClr val="accent1"/>
+            </a:fillRef>
+            <a:effectRef idx="0">
+              <a:schemeClr val="accent1"/>
+            </a:effectRef>
+            <a:fontRef idx="minor">
+              <a:schemeClr val="lt1"/>
+            </a:fontRef>
+          </p:style>
+          <p:txBody>
+            <a:bodyPr rtlCol="0" anchor="ctr"/>
+            <a:lstStyle/>
+            <a:p>
+              <a:pPr algn="ctr"/>
+              <a:endParaRPr kumimoji="1" lang="ja-JP" altLang="en-US"/>
+            </a:p>
+          </p:txBody>
+        </p:sp>
+      </p:grpSp>
+      <mc:AlternateContent xmlns:mc="http://schemas.openxmlformats.org/markup-compatibility/2006">
+        <mc:Choice xmlns:a14="http://schemas.microsoft.com/office/drawing/2010/main" Requires="a14">
+          <p:sp>
+            <p:nvSpPr>
+              <p:cNvPr id="19" name="テキスト ボックス 18">
+                <a:extLst>
+                  <a:ext uri="{FF2B5EF4-FFF2-40B4-BE49-F238E27FC236}">
+                    <a16:creationId xmlns:a16="http://schemas.microsoft.com/office/drawing/2014/main" id="{7F6D7823-BF0F-4E05-9DF7-AFB108B7E997}"/>
+                  </a:ext>
+                </a:extLst>
+              </p:cNvPr>
+              <p:cNvSpPr txBox="1"/>
+              <p:nvPr/>
+            </p:nvSpPr>
+            <p:spPr>
+              <a:xfrm>
+                <a:off x="1835696" y="3789040"/>
+                <a:ext cx="909329" cy="707886"/>
+              </a:xfrm>
+              <a:prstGeom prst="rect">
+                <a:avLst/>
+              </a:prstGeom>
+              <a:noFill/>
+            </p:spPr>
+            <p:txBody>
+              <a:bodyPr wrap="square" rtlCol="0">
+                <a:spAutoFit/>
+              </a:bodyPr>
+              <a:lstStyle/>
+              <a:p>
+                <a14:m>
+                  <m:oMathPara xmlns:m="http://schemas.openxmlformats.org/officeDocument/2006/math">
+                    <m:oMathParaPr>
+                      <m:jc m:val="centerGroup"/>
+                    </m:oMathParaPr>
+                    <m:oMath xmlns:m="http://schemas.openxmlformats.org/officeDocument/2006/math">
+                      <m:r>
+                        <a:rPr kumimoji="1" lang="en-US" altLang="ja-JP" sz="4000" b="0" i="1" smtClean="0">
+                          <a:latin typeface="Cambria Math" panose="02040503050406030204" pitchFamily="18" charset="0"/>
+                        </a:rPr>
+                        <m:t>−</m:t>
+                      </m:r>
+                      <m:r>
+                        <a:rPr kumimoji="1" lang="en-US" altLang="ja-JP" sz="4000" b="0" i="1" smtClean="0">
+                          <a:latin typeface="Cambria Math" panose="02040503050406030204" pitchFamily="18" charset="0"/>
+                        </a:rPr>
+                        <m:t>𝐽</m:t>
+                      </m:r>
+                    </m:oMath>
+                  </m:oMathPara>
+                </a14:m>
+                <a:endParaRPr kumimoji="1" lang="ja-JP" altLang="en-US" sz="4000"/>
+              </a:p>
+            </p:txBody>
+          </p:sp>
+        </mc:Choice>
+        <mc:Fallback>
+          <p:sp>
+            <p:nvSpPr>
+              <p:cNvPr id="19" name="テキスト ボックス 18">
+                <a:extLst>
+                  <a:ext uri="{FF2B5EF4-FFF2-40B4-BE49-F238E27FC236}">
+                    <a16:creationId xmlns:a16="http://schemas.microsoft.com/office/drawing/2014/main" id="{7F6D7823-BF0F-4E05-9DF7-AFB108B7E997}"/>
+                  </a:ext>
+                </a:extLst>
+              </p:cNvPr>
+              <p:cNvSpPr txBox="1">
+                <a:spLocks noRot="1" noChangeAspect="1" noMove="1" noResize="1" noEditPoints="1" noAdjustHandles="1" noChangeArrowheads="1" noChangeShapeType="1" noTextEdit="1"/>
+              </p:cNvSpPr>
+              <p:nvPr/>
+            </p:nvSpPr>
+            <p:spPr>
+              <a:xfrm>
+                <a:off x="1835696" y="3789040"/>
+                <a:ext cx="909329" cy="707886"/>
+              </a:xfrm>
+              <a:prstGeom prst="rect">
+                <a:avLst/>
+              </a:prstGeom>
+              <a:blipFill>
+                <a:blip r:embed="rId3"/>
+                <a:stretch>
+                  <a:fillRect/>
+                </a:stretch>
+              </a:blipFill>
+            </p:spPr>
+            <p:txBody>
+              <a:bodyPr/>
+              <a:lstStyle/>
+              <a:p>
+                <a:r>
+                  <a:rPr lang="ja-JP" altLang="en-US">
+                    <a:noFill/>
+                  </a:rPr>
+                  <a:t> </a:t>
+                </a:r>
+              </a:p>
+            </p:txBody>
+          </p:sp>
+        </mc:Fallback>
+      </mc:AlternateContent>
+      <mc:AlternateContent xmlns:mc="http://schemas.openxmlformats.org/markup-compatibility/2006">
+        <mc:Choice xmlns:a14="http://schemas.microsoft.com/office/drawing/2010/main" Requires="a14">
+          <p:sp>
+            <p:nvSpPr>
+              <p:cNvPr id="20" name="テキスト ボックス 19">
+                <a:extLst>
+                  <a:ext uri="{FF2B5EF4-FFF2-40B4-BE49-F238E27FC236}">
+                    <a16:creationId xmlns:a16="http://schemas.microsoft.com/office/drawing/2014/main" id="{E6EF44BC-87EC-4539-8968-75638CC051ED}"/>
+                  </a:ext>
+                </a:extLst>
+              </p:cNvPr>
+              <p:cNvSpPr txBox="1"/>
+              <p:nvPr/>
+            </p:nvSpPr>
+            <p:spPr>
+              <a:xfrm>
+                <a:off x="5940152" y="3717032"/>
+                <a:ext cx="909329" cy="707886"/>
+              </a:xfrm>
+              <a:prstGeom prst="rect">
+                <a:avLst/>
+              </a:prstGeom>
+              <a:noFill/>
+            </p:spPr>
+            <p:txBody>
+              <a:bodyPr wrap="square" rtlCol="0">
+                <a:spAutoFit/>
+              </a:bodyPr>
+              <a:lstStyle/>
+              <a:p>
+                <a14:m>
+                  <m:oMathPara xmlns:m="http://schemas.openxmlformats.org/officeDocument/2006/math">
+                    <m:oMathParaPr>
+                      <m:jc m:val="centerGroup"/>
+                    </m:oMathParaPr>
+                    <m:oMath xmlns:m="http://schemas.openxmlformats.org/officeDocument/2006/math">
+                      <m:r>
+                        <a:rPr kumimoji="1" lang="en-US" altLang="ja-JP" sz="4000" b="0" i="1" smtClean="0">
+                          <a:latin typeface="Cambria Math" panose="02040503050406030204" pitchFamily="18" charset="0"/>
+                        </a:rPr>
+                        <m:t>𝐽</m:t>
+                      </m:r>
+                    </m:oMath>
+                  </m:oMathPara>
+                </a14:m>
+                <a:endParaRPr kumimoji="1" lang="ja-JP" altLang="en-US" sz="4000"/>
+              </a:p>
+            </p:txBody>
+          </p:sp>
+        </mc:Choice>
+        <mc:Fallback>
+          <p:sp>
+            <p:nvSpPr>
+              <p:cNvPr id="20" name="テキスト ボックス 19">
+                <a:extLst>
+                  <a:ext uri="{FF2B5EF4-FFF2-40B4-BE49-F238E27FC236}">
+                    <a16:creationId xmlns:a16="http://schemas.microsoft.com/office/drawing/2014/main" id="{E6EF44BC-87EC-4539-8968-75638CC051ED}"/>
+                  </a:ext>
+                </a:extLst>
+              </p:cNvPr>
+              <p:cNvSpPr txBox="1">
+                <a:spLocks noRot="1" noChangeAspect="1" noMove="1" noResize="1" noEditPoints="1" noAdjustHandles="1" noChangeArrowheads="1" noChangeShapeType="1" noTextEdit="1"/>
+              </p:cNvSpPr>
+              <p:nvPr/>
+            </p:nvSpPr>
+            <p:spPr>
+              <a:xfrm>
+                <a:off x="5940152" y="3717032"/>
+                <a:ext cx="909329" cy="707886"/>
+              </a:xfrm>
+              <a:prstGeom prst="rect">
+                <a:avLst/>
+              </a:prstGeom>
+              <a:blipFill>
+                <a:blip r:embed="rId4"/>
+                <a:stretch>
+                  <a:fillRect/>
+                </a:stretch>
+              </a:blipFill>
+            </p:spPr>
+            <p:txBody>
+              <a:bodyPr/>
+              <a:lstStyle/>
+              <a:p>
+                <a:r>
+                  <a:rPr lang="ja-JP" altLang="en-US">
+                    <a:noFill/>
+                  </a:rPr>
+                  <a:t> </a:t>
+                </a:r>
+              </a:p>
+            </p:txBody>
+          </p:sp>
+        </mc:Fallback>
+      </mc:AlternateContent>
+      <mc:AlternateContent xmlns:mc="http://schemas.openxmlformats.org/markup-compatibility/2006">
+        <mc:Choice xmlns:a14="http://schemas.microsoft.com/office/drawing/2010/main" Requires="a14">
+          <p:sp>
+            <p:nvSpPr>
+              <p:cNvPr id="22" name="テキスト ボックス 21">
+                <a:extLst>
+                  <a:ext uri="{FF2B5EF4-FFF2-40B4-BE49-F238E27FC236}">
+                    <a16:creationId xmlns:a16="http://schemas.microsoft.com/office/drawing/2014/main" id="{DC988BE5-AC79-4867-A737-CE739EC3622C}"/>
+                  </a:ext>
+                </a:extLst>
+              </p:cNvPr>
+              <p:cNvSpPr txBox="1"/>
+              <p:nvPr/>
+            </p:nvSpPr>
+            <p:spPr>
+              <a:xfrm>
+                <a:off x="683568" y="2361074"/>
+                <a:ext cx="1709936" cy="707886"/>
+              </a:xfrm>
+              <a:prstGeom prst="rect">
+                <a:avLst/>
+              </a:prstGeom>
+              <a:noFill/>
+            </p:spPr>
+            <p:txBody>
+              <a:bodyPr wrap="square">
+                <a:spAutoFit/>
+              </a:bodyPr>
+              <a:lstStyle/>
+              <a:p>
+                <a:pPr/>
+                <a14:m>
+                  <m:oMathPara xmlns:m="http://schemas.openxmlformats.org/officeDocument/2006/math">
+                    <m:oMathParaPr>
+                      <m:jc m:val="centerGroup"/>
+                    </m:oMathParaPr>
+                    <m:oMath xmlns:m="http://schemas.openxmlformats.org/officeDocument/2006/math">
+                      <m:sSub>
+                        <m:sSubPr>
+                          <m:ctrlPr>
+                            <a:rPr kumimoji="1" lang="en-US" altLang="ja-JP" sz="4000" b="0" i="1" smtClean="0">
+                              <a:latin typeface="Cambria Math" panose="02040503050406030204" pitchFamily="18" charset="0"/>
+                            </a:rPr>
+                          </m:ctrlPr>
+                        </m:sSubPr>
+                        <m:e>
+                          <m:r>
+                            <a:rPr kumimoji="1" lang="en-US" altLang="ja-JP" sz="4000" b="0" i="1" smtClean="0">
+                              <a:latin typeface="Cambria Math" panose="02040503050406030204" pitchFamily="18" charset="0"/>
+                            </a:rPr>
+                            <m:t>𝜎</m:t>
+                          </m:r>
+                        </m:e>
+                        <m:sub>
+                          <m:r>
+                            <a:rPr kumimoji="1" lang="en-US" altLang="ja-JP" sz="4000" b="0" i="1" smtClean="0">
+                              <a:latin typeface="Cambria Math" panose="02040503050406030204" pitchFamily="18" charset="0"/>
+                            </a:rPr>
+                            <m:t>𝑖</m:t>
+                          </m:r>
+                        </m:sub>
+                      </m:sSub>
+                      <m:r>
+                        <a:rPr kumimoji="1" lang="en-US" altLang="ja-JP" sz="4000" b="0" i="1" smtClean="0">
+                          <a:latin typeface="Cambria Math" panose="02040503050406030204" pitchFamily="18" charset="0"/>
+                        </a:rPr>
+                        <m:t>=1</m:t>
+                      </m:r>
+                    </m:oMath>
+                  </m:oMathPara>
+                </a14:m>
+                <a:endParaRPr lang="ja-JP" altLang="en-US"/>
+              </a:p>
+            </p:txBody>
+          </p:sp>
+        </mc:Choice>
+        <mc:Fallback>
+          <p:sp>
+            <p:nvSpPr>
+              <p:cNvPr id="22" name="テキスト ボックス 21">
+                <a:extLst>
+                  <a:ext uri="{FF2B5EF4-FFF2-40B4-BE49-F238E27FC236}">
+                    <a16:creationId xmlns:a16="http://schemas.microsoft.com/office/drawing/2014/main" id="{DC988BE5-AC79-4867-A737-CE739EC3622C}"/>
+                  </a:ext>
+                </a:extLst>
+              </p:cNvPr>
+              <p:cNvSpPr txBox="1">
+                <a:spLocks noRot="1" noChangeAspect="1" noMove="1" noResize="1" noEditPoints="1" noAdjustHandles="1" noChangeArrowheads="1" noChangeShapeType="1" noTextEdit="1"/>
+              </p:cNvSpPr>
+              <p:nvPr/>
+            </p:nvSpPr>
+            <p:spPr>
+              <a:xfrm>
+                <a:off x="683568" y="2361074"/>
+                <a:ext cx="1709936" cy="707886"/>
+              </a:xfrm>
+              <a:prstGeom prst="rect">
+                <a:avLst/>
+              </a:prstGeom>
+              <a:blipFill>
+                <a:blip r:embed="rId5"/>
+                <a:stretch>
+                  <a:fillRect/>
+                </a:stretch>
+              </a:blipFill>
+            </p:spPr>
+            <p:txBody>
+              <a:bodyPr/>
+              <a:lstStyle/>
+              <a:p>
+                <a:r>
+                  <a:rPr lang="ja-JP" altLang="en-US">
+                    <a:noFill/>
+                  </a:rPr>
+                  <a:t> </a:t>
+                </a:r>
+              </a:p>
+            </p:txBody>
+          </p:sp>
+        </mc:Fallback>
+      </mc:AlternateContent>
+      <mc:AlternateContent xmlns:mc="http://schemas.openxmlformats.org/markup-compatibility/2006">
+        <mc:Choice xmlns:a14="http://schemas.microsoft.com/office/drawing/2010/main" Requires="a14">
+          <p:sp>
+            <p:nvSpPr>
+              <p:cNvPr id="23" name="テキスト ボックス 22">
+                <a:extLst>
+                  <a:ext uri="{FF2B5EF4-FFF2-40B4-BE49-F238E27FC236}">
+                    <a16:creationId xmlns:a16="http://schemas.microsoft.com/office/drawing/2014/main" id="{E2A2BBC6-0CCB-4109-8068-2FB86974B6B7}"/>
+                  </a:ext>
+                </a:extLst>
+              </p:cNvPr>
+              <p:cNvSpPr txBox="1"/>
+              <p:nvPr/>
+            </p:nvSpPr>
+            <p:spPr>
+              <a:xfrm>
+                <a:off x="2339752" y="2348880"/>
+                <a:ext cx="1709936" cy="757451"/>
+              </a:xfrm>
+              <a:prstGeom prst="rect">
+                <a:avLst/>
+              </a:prstGeom>
+              <a:noFill/>
+            </p:spPr>
+            <p:txBody>
+              <a:bodyPr wrap="square">
+                <a:spAutoFit/>
+              </a:bodyPr>
+              <a:lstStyle/>
+              <a:p>
+                <a:pPr/>
+                <a14:m>
+                  <m:oMathPara xmlns:m="http://schemas.openxmlformats.org/officeDocument/2006/math">
+                    <m:oMathParaPr>
+                      <m:jc m:val="centerGroup"/>
+                    </m:oMathParaPr>
+                    <m:oMath xmlns:m="http://schemas.openxmlformats.org/officeDocument/2006/math">
+                      <m:sSub>
+                        <m:sSubPr>
+                          <m:ctrlPr>
+                            <a:rPr kumimoji="1" lang="en-US" altLang="ja-JP" sz="4000" b="0" i="1" smtClean="0">
+                              <a:latin typeface="Cambria Math" panose="02040503050406030204" pitchFamily="18" charset="0"/>
+                            </a:rPr>
+                          </m:ctrlPr>
+                        </m:sSubPr>
+                        <m:e>
+                          <m:r>
+                            <a:rPr kumimoji="1" lang="en-US" altLang="ja-JP" sz="4000" b="0" i="1" smtClean="0">
+                              <a:latin typeface="Cambria Math" panose="02040503050406030204" pitchFamily="18" charset="0"/>
+                            </a:rPr>
+                            <m:t>𝜎</m:t>
+                          </m:r>
+                        </m:e>
+                        <m:sub>
+                          <m:r>
+                            <a:rPr kumimoji="1" lang="en-US" altLang="ja-JP" sz="4000" b="0" i="1" smtClean="0">
+                              <a:latin typeface="Cambria Math" panose="02040503050406030204" pitchFamily="18" charset="0"/>
+                            </a:rPr>
+                            <m:t>𝑗</m:t>
+                          </m:r>
+                        </m:sub>
+                      </m:sSub>
+                      <m:r>
+                        <a:rPr kumimoji="1" lang="en-US" altLang="ja-JP" sz="4000" b="0" i="1" smtClean="0">
+                          <a:latin typeface="Cambria Math" panose="02040503050406030204" pitchFamily="18" charset="0"/>
+                        </a:rPr>
+                        <m:t>=1</m:t>
+                      </m:r>
+                    </m:oMath>
+                  </m:oMathPara>
+                </a14:m>
+                <a:endParaRPr lang="ja-JP" altLang="en-US"/>
+              </a:p>
+            </p:txBody>
+          </p:sp>
+        </mc:Choice>
+        <mc:Fallback>
+          <p:sp>
+            <p:nvSpPr>
+              <p:cNvPr id="23" name="テキスト ボックス 22">
+                <a:extLst>
+                  <a:ext uri="{FF2B5EF4-FFF2-40B4-BE49-F238E27FC236}">
+                    <a16:creationId xmlns:a16="http://schemas.microsoft.com/office/drawing/2014/main" id="{E2A2BBC6-0CCB-4109-8068-2FB86974B6B7}"/>
+                  </a:ext>
+                </a:extLst>
+              </p:cNvPr>
+              <p:cNvSpPr txBox="1">
+                <a:spLocks noRot="1" noChangeAspect="1" noMove="1" noResize="1" noEditPoints="1" noAdjustHandles="1" noChangeArrowheads="1" noChangeShapeType="1" noTextEdit="1"/>
+              </p:cNvSpPr>
+              <p:nvPr/>
+            </p:nvSpPr>
+            <p:spPr>
+              <a:xfrm>
+                <a:off x="2339752" y="2348880"/>
+                <a:ext cx="1709936" cy="757451"/>
+              </a:xfrm>
+              <a:prstGeom prst="rect">
+                <a:avLst/>
+              </a:prstGeom>
+              <a:blipFill>
+                <a:blip r:embed="rId6"/>
+                <a:stretch>
+                  <a:fillRect/>
+                </a:stretch>
+              </a:blipFill>
+            </p:spPr>
+            <p:txBody>
+              <a:bodyPr/>
+              <a:lstStyle/>
+              <a:p>
+                <a:r>
+                  <a:rPr lang="ja-JP" altLang="en-US">
+                    <a:noFill/>
+                  </a:rPr>
+                  <a:t> </a:t>
+                </a:r>
+              </a:p>
+            </p:txBody>
+          </p:sp>
+        </mc:Fallback>
+      </mc:AlternateContent>
+      <mc:AlternateContent xmlns:mc="http://schemas.openxmlformats.org/markup-compatibility/2006">
+        <mc:Choice xmlns:a14="http://schemas.microsoft.com/office/drawing/2010/main" Requires="a14">
+          <p:sp>
+            <p:nvSpPr>
+              <p:cNvPr id="24" name="テキスト ボックス 23">
+                <a:extLst>
+                  <a:ext uri="{FF2B5EF4-FFF2-40B4-BE49-F238E27FC236}">
+                    <a16:creationId xmlns:a16="http://schemas.microsoft.com/office/drawing/2014/main" id="{4B96ADC5-3AD2-4837-AA8F-5F9906FEE735}"/>
+                  </a:ext>
+                </a:extLst>
+              </p:cNvPr>
+              <p:cNvSpPr txBox="1"/>
+              <p:nvPr/>
+            </p:nvSpPr>
+            <p:spPr>
+              <a:xfrm>
+                <a:off x="4716016" y="2361074"/>
+                <a:ext cx="1709936" cy="707886"/>
+              </a:xfrm>
+              <a:prstGeom prst="rect">
+                <a:avLst/>
+              </a:prstGeom>
+              <a:noFill/>
+            </p:spPr>
+            <p:txBody>
+              <a:bodyPr wrap="square">
+                <a:spAutoFit/>
+              </a:bodyPr>
+              <a:lstStyle/>
+              <a:p>
+                <a:pPr/>
+                <a14:m>
+                  <m:oMathPara xmlns:m="http://schemas.openxmlformats.org/officeDocument/2006/math">
+                    <m:oMathParaPr>
+                      <m:jc m:val="centerGroup"/>
+                    </m:oMathParaPr>
+                    <m:oMath xmlns:m="http://schemas.openxmlformats.org/officeDocument/2006/math">
+                      <m:sSub>
+                        <m:sSubPr>
+                          <m:ctrlPr>
+                            <a:rPr kumimoji="1" lang="en-US" altLang="ja-JP" sz="4000" b="0" i="1" smtClean="0">
+                              <a:latin typeface="Cambria Math" panose="02040503050406030204" pitchFamily="18" charset="0"/>
+                            </a:rPr>
+                          </m:ctrlPr>
+                        </m:sSubPr>
+                        <m:e>
+                          <m:r>
+                            <a:rPr kumimoji="1" lang="en-US" altLang="ja-JP" sz="4000" b="0" i="1" smtClean="0">
+                              <a:latin typeface="Cambria Math" panose="02040503050406030204" pitchFamily="18" charset="0"/>
+                            </a:rPr>
+                            <m:t>𝜎</m:t>
+                          </m:r>
+                        </m:e>
+                        <m:sub>
+                          <m:r>
+                            <a:rPr kumimoji="1" lang="en-US" altLang="ja-JP" sz="4000" b="0" i="1" smtClean="0">
+                              <a:latin typeface="Cambria Math" panose="02040503050406030204" pitchFamily="18" charset="0"/>
+                            </a:rPr>
+                            <m:t>𝑖</m:t>
+                          </m:r>
+                        </m:sub>
+                      </m:sSub>
+                      <m:r>
+                        <a:rPr kumimoji="1" lang="en-US" altLang="ja-JP" sz="4000" b="0" i="1" smtClean="0">
+                          <a:latin typeface="Cambria Math" panose="02040503050406030204" pitchFamily="18" charset="0"/>
+                        </a:rPr>
+                        <m:t>=1</m:t>
+                      </m:r>
+                    </m:oMath>
+                  </m:oMathPara>
+                </a14:m>
+                <a:endParaRPr lang="ja-JP" altLang="en-US"/>
+              </a:p>
+            </p:txBody>
+          </p:sp>
+        </mc:Choice>
+        <mc:Fallback>
+          <p:sp>
+            <p:nvSpPr>
+              <p:cNvPr id="24" name="テキスト ボックス 23">
+                <a:extLst>
+                  <a:ext uri="{FF2B5EF4-FFF2-40B4-BE49-F238E27FC236}">
+                    <a16:creationId xmlns:a16="http://schemas.microsoft.com/office/drawing/2014/main" id="{4B96ADC5-3AD2-4837-AA8F-5F9906FEE735}"/>
+                  </a:ext>
+                </a:extLst>
+              </p:cNvPr>
+              <p:cNvSpPr txBox="1">
+                <a:spLocks noRot="1" noChangeAspect="1" noMove="1" noResize="1" noEditPoints="1" noAdjustHandles="1" noChangeArrowheads="1" noChangeShapeType="1" noTextEdit="1"/>
+              </p:cNvSpPr>
+              <p:nvPr/>
+            </p:nvSpPr>
+            <p:spPr>
+              <a:xfrm>
+                <a:off x="4716016" y="2361074"/>
+                <a:ext cx="1709936" cy="707886"/>
+              </a:xfrm>
+              <a:prstGeom prst="rect">
+                <a:avLst/>
+              </a:prstGeom>
+              <a:blipFill>
+                <a:blip r:embed="rId7"/>
+                <a:stretch>
+                  <a:fillRect/>
+                </a:stretch>
+              </a:blipFill>
+            </p:spPr>
+            <p:txBody>
+              <a:bodyPr/>
+              <a:lstStyle/>
+              <a:p>
+                <a:r>
+                  <a:rPr lang="ja-JP" altLang="en-US">
+                    <a:noFill/>
+                  </a:rPr>
+                  <a:t> </a:t>
+                </a:r>
+              </a:p>
+            </p:txBody>
+          </p:sp>
+        </mc:Fallback>
+      </mc:AlternateContent>
+      <mc:AlternateContent xmlns:mc="http://schemas.openxmlformats.org/markup-compatibility/2006">
+        <mc:Choice xmlns:a14="http://schemas.microsoft.com/office/drawing/2010/main" Requires="a14">
+          <p:sp>
+            <p:nvSpPr>
+              <p:cNvPr id="25" name="テキスト ボックス 24">
+                <a:extLst>
+                  <a:ext uri="{FF2B5EF4-FFF2-40B4-BE49-F238E27FC236}">
+                    <a16:creationId xmlns:a16="http://schemas.microsoft.com/office/drawing/2014/main" id="{5F2436D0-8F3A-4E0C-89E0-290EF32B687B}"/>
+                  </a:ext>
+                </a:extLst>
+              </p:cNvPr>
+              <p:cNvSpPr txBox="1"/>
+              <p:nvPr/>
+            </p:nvSpPr>
+            <p:spPr>
+              <a:xfrm>
+                <a:off x="6372200" y="2348881"/>
+                <a:ext cx="2016224" cy="757451"/>
+              </a:xfrm>
+              <a:prstGeom prst="rect">
+                <a:avLst/>
+              </a:prstGeom>
+              <a:noFill/>
+            </p:spPr>
+            <p:txBody>
+              <a:bodyPr wrap="square">
+                <a:spAutoFit/>
+              </a:bodyPr>
+              <a:lstStyle/>
+              <a:p>
+                <a:pPr/>
+                <a14:m>
+                  <m:oMathPara xmlns:m="http://schemas.openxmlformats.org/officeDocument/2006/math">
+                    <m:oMathParaPr>
+                      <m:jc m:val="centerGroup"/>
+                    </m:oMathParaPr>
+                    <m:oMath xmlns:m="http://schemas.openxmlformats.org/officeDocument/2006/math">
+                      <m:sSub>
+                        <m:sSubPr>
+                          <m:ctrlPr>
+                            <a:rPr kumimoji="1" lang="en-US" altLang="ja-JP" sz="4000" b="0" i="1" smtClean="0">
+                              <a:latin typeface="Cambria Math" panose="02040503050406030204" pitchFamily="18" charset="0"/>
+                            </a:rPr>
+                          </m:ctrlPr>
+                        </m:sSubPr>
+                        <m:e>
+                          <m:r>
+                            <a:rPr kumimoji="1" lang="en-US" altLang="ja-JP" sz="4000" b="0" i="1" smtClean="0">
+                              <a:latin typeface="Cambria Math" panose="02040503050406030204" pitchFamily="18" charset="0"/>
+                            </a:rPr>
+                            <m:t>𝜎</m:t>
+                          </m:r>
+                        </m:e>
+                        <m:sub>
+                          <m:r>
+                            <a:rPr kumimoji="1" lang="en-US" altLang="ja-JP" sz="4000" b="0" i="1" smtClean="0">
+                              <a:latin typeface="Cambria Math" panose="02040503050406030204" pitchFamily="18" charset="0"/>
+                            </a:rPr>
+                            <m:t>𝑗</m:t>
+                          </m:r>
+                        </m:sub>
+                      </m:sSub>
+                      <m:r>
+                        <a:rPr kumimoji="1" lang="en-US" altLang="ja-JP" sz="4000" b="0" i="1" smtClean="0">
+                          <a:latin typeface="Cambria Math" panose="02040503050406030204" pitchFamily="18" charset="0"/>
+                        </a:rPr>
+                        <m:t>=−1</m:t>
+                      </m:r>
+                    </m:oMath>
+                  </m:oMathPara>
+                </a14:m>
+                <a:endParaRPr lang="ja-JP" altLang="en-US"/>
+              </a:p>
+            </p:txBody>
+          </p:sp>
+        </mc:Choice>
+        <mc:Fallback>
+          <p:sp>
+            <p:nvSpPr>
+              <p:cNvPr id="25" name="テキスト ボックス 24">
+                <a:extLst>
+                  <a:ext uri="{FF2B5EF4-FFF2-40B4-BE49-F238E27FC236}">
+                    <a16:creationId xmlns:a16="http://schemas.microsoft.com/office/drawing/2014/main" id="{5F2436D0-8F3A-4E0C-89E0-290EF32B687B}"/>
+                  </a:ext>
+                </a:extLst>
+              </p:cNvPr>
+              <p:cNvSpPr txBox="1">
+                <a:spLocks noRot="1" noChangeAspect="1" noMove="1" noResize="1" noEditPoints="1" noAdjustHandles="1" noChangeArrowheads="1" noChangeShapeType="1" noTextEdit="1"/>
+              </p:cNvSpPr>
+              <p:nvPr/>
+            </p:nvSpPr>
+            <p:spPr>
+              <a:xfrm>
+                <a:off x="6372200" y="2348881"/>
+                <a:ext cx="2016224" cy="757451"/>
+              </a:xfrm>
+              <a:prstGeom prst="rect">
+                <a:avLst/>
+              </a:prstGeom>
+              <a:blipFill>
+                <a:blip r:embed="rId8"/>
+                <a:stretch>
+                  <a:fillRect/>
+                </a:stretch>
+              </a:blipFill>
+            </p:spPr>
+            <p:txBody>
+              <a:bodyPr/>
+              <a:lstStyle/>
+              <a:p>
+                <a:r>
+                  <a:rPr lang="ja-JP" altLang="en-US">
+                    <a:noFill/>
+                  </a:rPr>
+                  <a:t> </a:t>
+                </a:r>
+              </a:p>
+            </p:txBody>
+          </p:sp>
+        </mc:Fallback>
+      </mc:AlternateContent>
+      <mc:AlternateContent xmlns:mc="http://schemas.openxmlformats.org/markup-compatibility/2006">
+        <mc:Choice xmlns:a14="http://schemas.microsoft.com/office/drawing/2010/main" Requires="a14">
+          <p:sp>
+            <p:nvSpPr>
+              <p:cNvPr id="26" name="テキスト ボックス 25">
+                <a:extLst>
+                  <a:ext uri="{FF2B5EF4-FFF2-40B4-BE49-F238E27FC236}">
+                    <a16:creationId xmlns:a16="http://schemas.microsoft.com/office/drawing/2014/main" id="{49BD1115-8A8A-468B-A65F-9265B9758E8F}"/>
+                  </a:ext>
+                </a:extLst>
+              </p:cNvPr>
+              <p:cNvSpPr txBox="1"/>
+              <p:nvPr/>
+            </p:nvSpPr>
+            <p:spPr>
+              <a:xfrm>
+                <a:off x="1547664" y="4653136"/>
+                <a:ext cx="5760640" cy="624338"/>
+              </a:xfrm>
+              <a:prstGeom prst="rect">
+                <a:avLst/>
+              </a:prstGeom>
+              <a:noFill/>
+            </p:spPr>
+            <p:txBody>
+              <a:bodyPr wrap="square" rtlCol="0">
+                <a:spAutoFit/>
+              </a:bodyPr>
+              <a:lstStyle/>
+              <a:p>
+                <a:r>
+                  <a:rPr kumimoji="1" lang="ja-JP" altLang="en-US" sz="3200" b="0"/>
+                  <a:t>両方まとめて</a:t>
+                </a:r>
+                <a14:m>
+                  <m:oMath xmlns:m="http://schemas.openxmlformats.org/officeDocument/2006/math">
+                    <m:r>
+                      <a:rPr kumimoji="1" lang="en-US" altLang="ja-JP" sz="3200" b="0" i="1" smtClean="0">
+                        <a:latin typeface="Cambria Math" panose="02040503050406030204" pitchFamily="18" charset="0"/>
+                      </a:rPr>
+                      <m:t>−</m:t>
+                    </m:r>
+                    <m:r>
+                      <a:rPr kumimoji="1" lang="en-US" altLang="ja-JP" sz="3200" b="0" i="1" smtClean="0">
+                        <a:latin typeface="Cambria Math" panose="02040503050406030204" pitchFamily="18" charset="0"/>
+                      </a:rPr>
+                      <m:t>𝐽</m:t>
+                    </m:r>
+                    <m:sSub>
+                      <m:sSubPr>
+                        <m:ctrlPr>
+                          <a:rPr kumimoji="1" lang="en-US" altLang="ja-JP" sz="3200" b="0" i="1" smtClean="0">
+                            <a:latin typeface="Cambria Math" panose="02040503050406030204" pitchFamily="18" charset="0"/>
+                          </a:rPr>
+                        </m:ctrlPr>
+                      </m:sSubPr>
+                      <m:e>
+                        <m:r>
+                          <a:rPr kumimoji="1" lang="en-US" altLang="ja-JP" sz="3200" b="0" i="1" smtClean="0">
+                            <a:latin typeface="Cambria Math" panose="02040503050406030204" pitchFamily="18" charset="0"/>
+                          </a:rPr>
+                          <m:t>𝜎</m:t>
+                        </m:r>
+                      </m:e>
+                      <m:sub>
+                        <m:r>
+                          <a:rPr kumimoji="1" lang="en-US" altLang="ja-JP" sz="3200" b="0" i="1" smtClean="0">
+                            <a:latin typeface="Cambria Math" panose="02040503050406030204" pitchFamily="18" charset="0"/>
+                          </a:rPr>
+                          <m:t>𝑖</m:t>
+                        </m:r>
+                      </m:sub>
+                    </m:sSub>
+                    <m:sSub>
+                      <m:sSubPr>
+                        <m:ctrlPr>
+                          <a:rPr kumimoji="1" lang="en-US" altLang="ja-JP" sz="3200" b="0" i="1" smtClean="0">
+                            <a:latin typeface="Cambria Math" panose="02040503050406030204" pitchFamily="18" charset="0"/>
+                          </a:rPr>
+                        </m:ctrlPr>
+                      </m:sSubPr>
+                      <m:e>
+                        <m:r>
+                          <a:rPr kumimoji="1" lang="en-US" altLang="ja-JP" sz="3200" b="0" i="1" smtClean="0">
+                            <a:latin typeface="Cambria Math" panose="02040503050406030204" pitchFamily="18" charset="0"/>
+                          </a:rPr>
+                          <m:t>𝜎</m:t>
+                        </m:r>
+                      </m:e>
+                      <m:sub>
+                        <m:r>
+                          <a:rPr kumimoji="1" lang="en-US" altLang="ja-JP" sz="3200" b="0" i="1" smtClean="0">
+                            <a:latin typeface="Cambria Math" panose="02040503050406030204" pitchFamily="18" charset="0"/>
+                          </a:rPr>
+                          <m:t>𝑗</m:t>
+                        </m:r>
+                      </m:sub>
+                    </m:sSub>
+                  </m:oMath>
+                </a14:m>
+                <a:r>
+                  <a:rPr kumimoji="1" lang="ja-JP" altLang="en-US" sz="3200"/>
+                  <a:t>と書ける</a:t>
+                </a:r>
+              </a:p>
+            </p:txBody>
+          </p:sp>
+        </mc:Choice>
+        <mc:Fallback>
+          <p:sp>
+            <p:nvSpPr>
+              <p:cNvPr id="26" name="テキスト ボックス 25">
+                <a:extLst>
+                  <a:ext uri="{FF2B5EF4-FFF2-40B4-BE49-F238E27FC236}">
+                    <a16:creationId xmlns:a16="http://schemas.microsoft.com/office/drawing/2014/main" id="{49BD1115-8A8A-468B-A65F-9265B9758E8F}"/>
+                  </a:ext>
+                </a:extLst>
+              </p:cNvPr>
+              <p:cNvSpPr txBox="1">
+                <a:spLocks noRot="1" noChangeAspect="1" noMove="1" noResize="1" noEditPoints="1" noAdjustHandles="1" noChangeArrowheads="1" noChangeShapeType="1" noTextEdit="1"/>
+              </p:cNvSpPr>
+              <p:nvPr/>
+            </p:nvSpPr>
+            <p:spPr>
+              <a:xfrm>
+                <a:off x="1547664" y="4653136"/>
+                <a:ext cx="5760640" cy="624338"/>
+              </a:xfrm>
+              <a:prstGeom prst="rect">
+                <a:avLst/>
+              </a:prstGeom>
+              <a:blipFill>
+                <a:blip r:embed="rId9"/>
+                <a:stretch>
+                  <a:fillRect l="-2751" t="-16505" b="-20388"/>
+                </a:stretch>
+              </a:blipFill>
+            </p:spPr>
+            <p:txBody>
+              <a:bodyPr/>
+              <a:lstStyle/>
+              <a:p>
+                <a:r>
+                  <a:rPr lang="ja-JP" altLang="en-US">
+                    <a:noFill/>
+                  </a:rPr>
+                  <a:t> </a:t>
+                </a:r>
+              </a:p>
+            </p:txBody>
+          </p:sp>
+        </mc:Fallback>
+      </mc:AlternateContent>
+    </p:spTree>
+    <p:extLst>
+      <p:ext uri="{BB962C8B-B14F-4D97-AF65-F5344CB8AC3E}">
+        <p14:creationId xmlns:p14="http://schemas.microsoft.com/office/powerpoint/2010/main" val="2249169314"/>
+      </p:ext>
+    </p:extLst>
+  </p:cSld>
+  <p:clrMapOvr>
+    <a:masterClrMapping/>
+  </p:clrMapOvr>
+</p:sld>
+</file>
+
+<file path=ppt/slides/slide6.xml><?xml version="1.0" encoding="utf-8"?>
+<p:sld xmlns:a="http://schemas.openxmlformats.org/drawingml/2006/main" xmlns:r="http://schemas.openxmlformats.org/officeDocument/2006/relationships" xmlns:p="http://schemas.openxmlformats.org/presentationml/2006/main">
+  <p:cSld>
+    <p:spTree>
+      <p:nvGrpSpPr>
+        <p:cNvPr id="1" name=""/>
+        <p:cNvGrpSpPr/>
+        <p:nvPr/>
+      </p:nvGrpSpPr>
+      <p:grpSpPr>
+        <a:xfrm>
+          <a:off x="0" y="0"/>
+          <a:ext cx="0" cy="0"/>
+          <a:chOff x="0" y="0"/>
+          <a:chExt cx="0" cy="0"/>
+        </a:xfrm>
+      </p:grpSpPr>
+      <p:sp>
+        <p:nvSpPr>
+          <p:cNvPr id="2" name="テキスト プレースホルダー 1">
+            <a:extLst>
+              <a:ext uri="{FF2B5EF4-FFF2-40B4-BE49-F238E27FC236}">
+                <a16:creationId xmlns:a16="http://schemas.microsoft.com/office/drawing/2014/main" id="{1E852788-D8C0-4375-A12F-7661EA137F02}"/>
+              </a:ext>
+            </a:extLst>
+          </p:cNvPr>
+          <p:cNvSpPr>
+            <a:spLocks noGrp="1"/>
+          </p:cNvSpPr>
+          <p:nvPr>
+            <p:ph type="body" sz="quarter" idx="10"/>
+          </p:nvPr>
+        </p:nvSpPr>
+        <p:spPr/>
+        <p:txBody>
+          <a:bodyPr/>
+          <a:lstStyle/>
+          <a:p>
+            <a:r>
+              <a:rPr kumimoji="1" lang="ja-JP" altLang="en-US"/>
+              <a:t>イジング模型</a:t>
+            </a:r>
+          </a:p>
+        </p:txBody>
+      </p:sp>
+      <p:sp>
+        <p:nvSpPr>
+          <p:cNvPr id="3" name="テキスト ボックス 2">
+            <a:extLst>
+              <a:ext uri="{FF2B5EF4-FFF2-40B4-BE49-F238E27FC236}">
+                <a16:creationId xmlns:a16="http://schemas.microsoft.com/office/drawing/2014/main" id="{EF3F66D5-991F-44E4-983E-B732F7E5D77A}"/>
+              </a:ext>
+            </a:extLst>
+          </p:cNvPr>
+          <p:cNvSpPr txBox="1"/>
+          <p:nvPr/>
+        </p:nvSpPr>
+        <p:spPr>
+          <a:xfrm>
+            <a:off x="467544" y="1124744"/>
+            <a:ext cx="7571303" cy="584775"/>
+          </a:xfrm>
+          <a:prstGeom prst="rect">
+            <a:avLst/>
+          </a:prstGeom>
+          <a:noFill/>
+        </p:spPr>
+        <p:txBody>
+          <a:bodyPr wrap="none" rtlCol="0">
+            <a:spAutoFit/>
+          </a:bodyPr>
+          <a:lstStyle/>
+          <a:p>
+            <a:r>
+              <a:rPr kumimoji="1" lang="ja-JP" altLang="en-US" sz="3200"/>
+              <a:t>全系のエネルギーは以下のように書ける</a:t>
+            </a:r>
+          </a:p>
+        </p:txBody>
+      </p:sp>
+      <mc:AlternateContent xmlns:mc="http://schemas.openxmlformats.org/markup-compatibility/2006">
+        <mc:Choice xmlns:a14="http://schemas.microsoft.com/office/drawing/2010/main" Requires="a14">
+          <p:sp>
+            <p:nvSpPr>
+              <p:cNvPr id="4" name="テキスト ボックス 3">
+                <a:extLst>
+                  <a:ext uri="{FF2B5EF4-FFF2-40B4-BE49-F238E27FC236}">
+                    <a16:creationId xmlns:a16="http://schemas.microsoft.com/office/drawing/2014/main" id="{BC78E4DF-1E45-412C-AEA7-BC0FE54EDFFD}"/>
+                  </a:ext>
+                </a:extLst>
+              </p:cNvPr>
+              <p:cNvSpPr txBox="1"/>
+              <p:nvPr/>
+            </p:nvSpPr>
+            <p:spPr>
+              <a:xfrm>
+                <a:off x="2339752" y="1844824"/>
+                <a:ext cx="3683188" cy="1656351"/>
+              </a:xfrm>
+              <a:prstGeom prst="rect">
+                <a:avLst/>
+              </a:prstGeom>
+              <a:noFill/>
+            </p:spPr>
+            <p:txBody>
+              <a:bodyPr wrap="none" rtlCol="0">
+                <a:spAutoFit/>
+              </a:bodyPr>
+              <a:lstStyle/>
+              <a:p>
+                <a14:m>
+                  <m:oMathPara xmlns:m="http://schemas.openxmlformats.org/officeDocument/2006/math">
+                    <m:oMathParaPr>
+                      <m:jc m:val="centerGroup"/>
+                    </m:oMathParaPr>
+                    <m:oMath xmlns:m="http://schemas.openxmlformats.org/officeDocument/2006/math">
+                      <m:r>
+                        <a:rPr kumimoji="1" lang="en-US" altLang="ja-JP" sz="4000" b="0" i="1" smtClean="0">
+                          <a:latin typeface="Cambria Math" panose="02040503050406030204" pitchFamily="18" charset="0"/>
+                        </a:rPr>
+                        <m:t>𝐻</m:t>
+                      </m:r>
+                      <m:r>
+                        <a:rPr kumimoji="1" lang="en-US" altLang="ja-JP" sz="4000" b="0" i="1" smtClean="0">
+                          <a:latin typeface="Cambria Math" panose="02040503050406030204" pitchFamily="18" charset="0"/>
+                        </a:rPr>
+                        <m:t>=−</m:t>
+                      </m:r>
+                      <m:r>
+                        <a:rPr kumimoji="1" lang="en-US" altLang="ja-JP" sz="4000" b="0" i="1" smtClean="0">
+                          <a:latin typeface="Cambria Math" panose="02040503050406030204" pitchFamily="18" charset="0"/>
+                        </a:rPr>
+                        <m:t>𝐽</m:t>
+                      </m:r>
+                      <m:nary>
+                        <m:naryPr>
+                          <m:chr m:val="∑"/>
+                          <m:supHide m:val="on"/>
+                          <m:ctrlPr>
+                            <a:rPr kumimoji="1" lang="en-US" altLang="ja-JP" sz="4000" b="0" i="1" smtClean="0">
+                              <a:latin typeface="Cambria Math" panose="02040503050406030204" pitchFamily="18" charset="0"/>
+                            </a:rPr>
+                          </m:ctrlPr>
+                        </m:naryPr>
+                        <m:sub>
+                          <m:d>
+                            <m:dPr>
+                              <m:begChr m:val="⟨"/>
+                              <m:endChr m:val="⟩"/>
+                              <m:ctrlPr>
+                                <a:rPr kumimoji="1" lang="en-US" altLang="ja-JP" sz="4000" b="0" i="1" smtClean="0">
+                                  <a:latin typeface="Cambria Math" panose="02040503050406030204" pitchFamily="18" charset="0"/>
+                                </a:rPr>
+                              </m:ctrlPr>
+                            </m:dPr>
+                            <m:e>
+                              <m:r>
+                                <a:rPr kumimoji="1" lang="en-US" altLang="ja-JP" sz="4000" b="0" i="1" smtClean="0">
+                                  <a:latin typeface="Cambria Math" panose="02040503050406030204" pitchFamily="18" charset="0"/>
+                                </a:rPr>
+                                <m:t>𝑖</m:t>
+                              </m:r>
+                              <m:r>
+                                <a:rPr kumimoji="1" lang="en-US" altLang="ja-JP" sz="4000" b="0" i="1" smtClean="0">
+                                  <a:latin typeface="Cambria Math" panose="02040503050406030204" pitchFamily="18" charset="0"/>
+                                </a:rPr>
+                                <m:t>,</m:t>
+                              </m:r>
+                              <m:r>
+                                <a:rPr kumimoji="1" lang="en-US" altLang="ja-JP" sz="4000" b="0" i="1" smtClean="0">
+                                  <a:latin typeface="Cambria Math" panose="02040503050406030204" pitchFamily="18" charset="0"/>
+                                </a:rPr>
+                                <m:t>𝑗</m:t>
+                              </m:r>
+                            </m:e>
+                          </m:d>
+                        </m:sub>
+                        <m:sup/>
+                        <m:e>
+                          <m:sSub>
+                            <m:sSubPr>
+                              <m:ctrlPr>
+                                <a:rPr kumimoji="1" lang="en-US" altLang="ja-JP" sz="4000" b="0" i="1" smtClean="0">
+                                  <a:latin typeface="Cambria Math" panose="02040503050406030204" pitchFamily="18" charset="0"/>
+                                </a:rPr>
+                              </m:ctrlPr>
+                            </m:sSubPr>
+                            <m:e>
+                              <m:r>
+                                <a:rPr kumimoji="1" lang="en-US" altLang="ja-JP" sz="4000" b="0" i="1" smtClean="0">
+                                  <a:latin typeface="Cambria Math" panose="02040503050406030204" pitchFamily="18" charset="0"/>
+                                </a:rPr>
+                                <m:t>𝜎</m:t>
+                              </m:r>
+                            </m:e>
+                            <m:sub>
+                              <m:r>
+                                <a:rPr kumimoji="1" lang="en-US" altLang="ja-JP" sz="4000" b="0" i="1" smtClean="0">
+                                  <a:latin typeface="Cambria Math" panose="02040503050406030204" pitchFamily="18" charset="0"/>
+                                </a:rPr>
+                                <m:t>𝑖</m:t>
+                              </m:r>
+                            </m:sub>
+                          </m:sSub>
+                          <m:sSub>
+                            <m:sSubPr>
+                              <m:ctrlPr>
+                                <a:rPr kumimoji="1" lang="en-US" altLang="ja-JP" sz="4000" b="0" i="1" smtClean="0">
+                                  <a:latin typeface="Cambria Math" panose="02040503050406030204" pitchFamily="18" charset="0"/>
+                                </a:rPr>
+                              </m:ctrlPr>
+                            </m:sSubPr>
+                            <m:e>
+                              <m:r>
+                                <a:rPr kumimoji="1" lang="en-US" altLang="ja-JP" sz="4000" b="0" i="1" smtClean="0">
+                                  <a:latin typeface="Cambria Math" panose="02040503050406030204" pitchFamily="18" charset="0"/>
+                                </a:rPr>
+                                <m:t>𝜎</m:t>
+                              </m:r>
+                            </m:e>
+                            <m:sub>
+                              <m:r>
+                                <a:rPr kumimoji="1" lang="en-US" altLang="ja-JP" sz="4000" b="0" i="1" smtClean="0">
+                                  <a:latin typeface="Cambria Math" panose="02040503050406030204" pitchFamily="18" charset="0"/>
+                                </a:rPr>
+                                <m:t>𝑗</m:t>
+                              </m:r>
+                            </m:sub>
+                          </m:sSub>
+                        </m:e>
+                      </m:nary>
+                    </m:oMath>
+                  </m:oMathPara>
+                </a14:m>
+                <a:endParaRPr kumimoji="1" lang="ja-JP" altLang="en-US" sz="4000"/>
+              </a:p>
+            </p:txBody>
+          </p:sp>
+        </mc:Choice>
+        <mc:Fallback>
+          <p:sp>
+            <p:nvSpPr>
+              <p:cNvPr id="4" name="テキスト ボックス 3">
+                <a:extLst>
+                  <a:ext uri="{FF2B5EF4-FFF2-40B4-BE49-F238E27FC236}">
+                    <a16:creationId xmlns:a16="http://schemas.microsoft.com/office/drawing/2014/main" id="{BC78E4DF-1E45-412C-AEA7-BC0FE54EDFFD}"/>
+                  </a:ext>
+                </a:extLst>
+              </p:cNvPr>
+              <p:cNvSpPr txBox="1">
+                <a:spLocks noRot="1" noChangeAspect="1" noMove="1" noResize="1" noEditPoints="1" noAdjustHandles="1" noChangeArrowheads="1" noChangeShapeType="1" noTextEdit="1"/>
+              </p:cNvSpPr>
+              <p:nvPr/>
+            </p:nvSpPr>
+            <p:spPr>
+              <a:xfrm>
+                <a:off x="2339752" y="1844824"/>
+                <a:ext cx="3683188" cy="1656351"/>
+              </a:xfrm>
+              <a:prstGeom prst="rect">
+                <a:avLst/>
+              </a:prstGeom>
+              <a:blipFill>
+                <a:blip r:embed="rId2"/>
+                <a:stretch>
+                  <a:fillRect/>
+                </a:stretch>
+              </a:blipFill>
+            </p:spPr>
+            <p:txBody>
+              <a:bodyPr/>
+              <a:lstStyle/>
+              <a:p>
+                <a:r>
+                  <a:rPr lang="ja-JP" altLang="en-US">
+                    <a:noFill/>
+                  </a:rPr>
+                  <a:t> </a:t>
+                </a:r>
+              </a:p>
+            </p:txBody>
+          </p:sp>
+        </mc:Fallback>
+      </mc:AlternateContent>
+      <p:sp>
+        <p:nvSpPr>
+          <p:cNvPr id="5" name="テキスト ボックス 4">
+            <a:extLst>
+              <a:ext uri="{FF2B5EF4-FFF2-40B4-BE49-F238E27FC236}">
+                <a16:creationId xmlns:a16="http://schemas.microsoft.com/office/drawing/2014/main" id="{683E5B92-01DC-4FB8-BAE0-F027B7ED0E41}"/>
+              </a:ext>
+            </a:extLst>
+          </p:cNvPr>
+          <p:cNvSpPr txBox="1"/>
+          <p:nvPr/>
+        </p:nvSpPr>
+        <p:spPr>
+          <a:xfrm>
+            <a:off x="1691680" y="3861048"/>
+            <a:ext cx="6647974" cy="461665"/>
+          </a:xfrm>
+          <a:prstGeom prst="rect">
+            <a:avLst/>
+          </a:prstGeom>
+          <a:noFill/>
+        </p:spPr>
+        <p:txBody>
+          <a:bodyPr wrap="none" rtlCol="0">
+            <a:spAutoFit/>
+          </a:bodyPr>
+          <a:lstStyle/>
+          <a:p>
+            <a:r>
+              <a:rPr kumimoji="1" lang="ja-JP" altLang="en-US" sz="2400"/>
+              <a:t>系の全てのボンドについて和をとるという意味</a:t>
+            </a:r>
+          </a:p>
+        </p:txBody>
+      </p:sp>
+      <p:cxnSp>
+        <p:nvCxnSpPr>
+          <p:cNvPr id="7" name="直線矢印コネクタ 6">
+            <a:extLst>
+              <a:ext uri="{FF2B5EF4-FFF2-40B4-BE49-F238E27FC236}">
+                <a16:creationId xmlns:a16="http://schemas.microsoft.com/office/drawing/2014/main" id="{75FE24F2-A292-479C-A94F-684F737AA4BB}"/>
+              </a:ext>
+            </a:extLst>
+          </p:cNvPr>
+          <p:cNvCxnSpPr/>
+          <p:nvPr/>
+        </p:nvCxnSpPr>
+        <p:spPr>
+          <a:xfrm flipH="1" flipV="1">
+            <a:off x="4572000" y="3501008"/>
+            <a:ext cx="216024" cy="360040"/>
+          </a:xfrm>
+          <a:prstGeom prst="straightConnector1">
+            <a:avLst/>
+          </a:prstGeom>
+          <a:ln>
+            <a:solidFill>
+              <a:schemeClr val="tx1"/>
+            </a:solidFill>
+            <a:headEnd type="none" w="med" len="med"/>
+            <a:tailEnd type="triangle"/>
+          </a:ln>
+        </p:spPr>
+        <p:style>
+          <a:lnRef idx="1">
+            <a:schemeClr val="accent1"/>
+          </a:lnRef>
+          <a:fillRef idx="0">
+            <a:schemeClr val="accent1"/>
+          </a:fillRef>
+          <a:effectRef idx="0">
+            <a:schemeClr val="accent1"/>
+          </a:effectRef>
+          <a:fontRef idx="minor">
+            <a:schemeClr val="tx1"/>
+          </a:fontRef>
+        </p:style>
+      </p:cxnSp>
+      <p:sp>
+        <p:nvSpPr>
+          <p:cNvPr id="8" name="テキスト ボックス 7">
+            <a:extLst>
+              <a:ext uri="{FF2B5EF4-FFF2-40B4-BE49-F238E27FC236}">
+                <a16:creationId xmlns:a16="http://schemas.microsoft.com/office/drawing/2014/main" id="{CF7D452D-3BCB-4D53-A097-6B0DB2F89054}"/>
+              </a:ext>
+            </a:extLst>
+          </p:cNvPr>
+          <p:cNvSpPr txBox="1"/>
+          <p:nvPr/>
+        </p:nvSpPr>
+        <p:spPr>
+          <a:xfrm>
+            <a:off x="179512" y="5085184"/>
+            <a:ext cx="8802410" cy="523220"/>
+          </a:xfrm>
+          <a:prstGeom prst="rect">
+            <a:avLst/>
+          </a:prstGeom>
+          <a:noFill/>
+        </p:spPr>
+        <p:txBody>
+          <a:bodyPr wrap="none" rtlCol="0">
+            <a:spAutoFit/>
+          </a:bodyPr>
+          <a:lstStyle/>
+          <a:p>
+            <a:r>
+              <a:rPr lang="ja-JP" altLang="en-US" sz="2800"/>
+              <a:t>全系のエネルギーを与える量を</a:t>
+            </a:r>
+            <a:r>
+              <a:rPr lang="ja-JP" altLang="en-US" sz="2800">
+                <a:solidFill>
+                  <a:srgbClr val="FF0000"/>
+                </a:solidFill>
+              </a:rPr>
+              <a:t>ハミルトニアン</a:t>
+            </a:r>
+            <a:r>
+              <a:rPr lang="ja-JP" altLang="en-US" sz="2800"/>
+              <a:t>とよぶ</a:t>
+            </a:r>
+            <a:endParaRPr kumimoji="1" lang="ja-JP" altLang="en-US" sz="2800"/>
+          </a:p>
+        </p:txBody>
+      </p:sp>
+    </p:spTree>
+    <p:extLst>
+      <p:ext uri="{BB962C8B-B14F-4D97-AF65-F5344CB8AC3E}">
+        <p14:creationId xmlns:p14="http://schemas.microsoft.com/office/powerpoint/2010/main" val="2327467911"/>
+      </p:ext>
+    </p:extLst>
+  </p:cSld>
+  <p:clrMapOvr>
+    <a:masterClrMapping/>
+  </p:clrMapOvr>
+</p:sld>
+</file>
+
 <file path=ppt/theme/theme1.xml><?xml version="1.0" encoding="utf-8"?>
 <a:theme xmlns:a="http://schemas.openxmlformats.org/drawingml/2006/main" name="mythema">
   <a:themeElements>
